--- a/images/segments_flowchart.pptx
+++ b/images/segments_flowchart.pptx
@@ -104,6 +104,11 @@
       </a:defRPr>
     </a:lvl9pPr>
   </p:defaultTextStyle>
+  <p:extLst>
+    <p:ext uri="{EFAFB233-063F-42B5-8137-9DF3F51BA10A}">
+      <p15:sldGuideLst xmlns:p15="http://schemas.microsoft.com/office/powerpoint/2012/main"/>
+    </p:ext>
+  </p:extLst>
 </p:presentation>
 </file>
 
@@ -869,10 +874,10 @@
       </dgm:t>
     </dgm:pt>
     <dgm:pt modelId="{5697626D-0CAE-4960-A7D6-10FD8A142981}">
-      <dgm:prSet phldrT="[Text]"/>
+      <dgm:prSet phldrT="[Text]" custT="1"/>
       <dgm:spPr>
         <a:solidFill>
-          <a:schemeClr val="accent2"/>
+          <a:schemeClr val="accent1"/>
         </a:solidFill>
       </dgm:spPr>
       <dgm:t>
@@ -880,17 +885,32 @@
         <a:lstStyle/>
         <a:p>
           <a:r>
-            <a:rPr lang="en-US" dirty="0">
+            <a:rPr lang="en-US" sz="2400" dirty="0">
               <a:ln>
                 <a:noFill/>
               </a:ln>
             </a:rPr>
-            <a:t>Crime occurs (and is reported)</a:t>
+            <a:t>Administrative Segment</a:t>
           </a:r>
         </a:p>
       </dgm:t>
     </dgm:pt>
     <dgm:pt modelId="{39FD5052-F118-48EF-973A-7A1E08945E73}" type="parTrans" cxnId="{09E4256C-8DB5-42CE-B8A0-9B54902B09C2}">
+      <dgm:prSet/>
+      <dgm:spPr/>
+      <dgm:t>
+        <a:bodyPr/>
+        <a:lstStyle/>
+        <a:p>
+          <a:endParaRPr lang="en-US" sz="2000">
+            <a:ln>
+              <a:noFill/>
+            </a:ln>
+          </a:endParaRPr>
+        </a:p>
+      </dgm:t>
+    </dgm:pt>
+    <dgm:pt modelId="{8DF9C969-4CAC-414F-A597-68BD1A9079EB}" type="sibTrans" cxnId="{09E4256C-8DB5-42CE-B8A0-9B54902B09C2}">
       <dgm:prSet/>
       <dgm:spPr/>
       <dgm:t>
@@ -905,7 +925,40 @@
         </a:p>
       </dgm:t>
     </dgm:pt>
-    <dgm:pt modelId="{8DF9C969-4CAC-414F-A597-68BD1A9079EB}" type="sibTrans" cxnId="{09E4256C-8DB5-42CE-B8A0-9B54902B09C2}">
+    <dgm:pt modelId="{E070848B-3858-4BF9-813A-E01D8B7BCE74}">
+      <dgm:prSet phldrT="[Text]" custT="1"/>
+      <dgm:spPr/>
+      <dgm:t>
+        <a:bodyPr/>
+        <a:lstStyle/>
+        <a:p>
+          <a:r>
+            <a:rPr lang="en-US" sz="2400" dirty="0">
+              <a:ln>
+                <a:noFill/>
+              </a:ln>
+            </a:rPr>
+            <a:t>Offense Segment</a:t>
+          </a:r>
+        </a:p>
+      </dgm:t>
+    </dgm:pt>
+    <dgm:pt modelId="{0774A2F8-F74E-4EA1-BE67-BD6FB13ECF57}" type="parTrans" cxnId="{E29467FD-E3E2-46DA-8DF2-81D5CEC9E7D0}">
+      <dgm:prSet/>
+      <dgm:spPr/>
+      <dgm:t>
+        <a:bodyPr/>
+        <a:lstStyle/>
+        <a:p>
+          <a:endParaRPr lang="en-US" sz="2000">
+            <a:ln>
+              <a:noFill/>
+            </a:ln>
+          </a:endParaRPr>
+        </a:p>
+      </dgm:t>
+    </dgm:pt>
+    <dgm:pt modelId="{17E689D7-CFCB-462E-9503-87EB4282F873}" type="sibTrans" cxnId="{E29467FD-E3E2-46DA-8DF2-81D5CEC9E7D0}">
       <dgm:prSet/>
       <dgm:spPr/>
       <dgm:t>
@@ -920,25 +973,40 @@
         </a:p>
       </dgm:t>
     </dgm:pt>
-    <dgm:pt modelId="{0471E3D1-F3E1-4FD3-A6AD-786CA92133BF}" type="asst">
-      <dgm:prSet phldrT="[Text]"/>
+    <dgm:pt modelId="{68BBDC16-D7C2-48A2-9DFB-9A045C18DD07}">
+      <dgm:prSet phldrT="[Text]" custT="1"/>
       <dgm:spPr/>
       <dgm:t>
         <a:bodyPr/>
         <a:lstStyle/>
         <a:p>
           <a:r>
-            <a:rPr lang="en-US" dirty="0">
+            <a:rPr lang="en-US" sz="2400" dirty="0">
               <a:ln>
                 <a:noFill/>
               </a:ln>
             </a:rPr>
-            <a:t>Group B Arrest</a:t>
+            <a:t>Property Segment</a:t>
           </a:r>
         </a:p>
       </dgm:t>
     </dgm:pt>
-    <dgm:pt modelId="{A02B3D84-5FC8-4677-9704-451C973A55BC}" type="parTrans" cxnId="{C9C0F608-B6CC-4F23-9D01-9DB9021C2FF7}">
+    <dgm:pt modelId="{DC43C7F4-5542-43B3-A2E2-A1F68BB1ADEA}" type="parTrans" cxnId="{F5E22741-D7BA-4617-82A1-C6FFDFEEBFE8}">
+      <dgm:prSet/>
+      <dgm:spPr/>
+      <dgm:t>
+        <a:bodyPr/>
+        <a:lstStyle/>
+        <a:p>
+          <a:endParaRPr lang="en-US" sz="2000">
+            <a:ln>
+              <a:noFill/>
+            </a:ln>
+          </a:endParaRPr>
+        </a:p>
+      </dgm:t>
+    </dgm:pt>
+    <dgm:pt modelId="{B4DB9D0A-BE53-4DBD-9411-8F6D53399010}" type="sibTrans" cxnId="{F5E22741-D7BA-4617-82A1-C6FFDFEEBFE8}">
       <dgm:prSet/>
       <dgm:spPr/>
       <dgm:t>
@@ -953,7 +1021,40 @@
         </a:p>
       </dgm:t>
     </dgm:pt>
-    <dgm:pt modelId="{3E6B4B22-CF26-4D52-A0E6-F900B4364BE4}" type="sibTrans" cxnId="{C9C0F608-B6CC-4F23-9D01-9DB9021C2FF7}">
+    <dgm:pt modelId="{52103835-50B7-48F1-B4A9-4A578E23682C}">
+      <dgm:prSet custT="1"/>
+      <dgm:spPr/>
+      <dgm:t>
+        <a:bodyPr/>
+        <a:lstStyle/>
+        <a:p>
+          <a:r>
+            <a:rPr lang="en-US" sz="2400" dirty="0">
+              <a:ln>
+                <a:noFill/>
+              </a:ln>
+            </a:rPr>
+            <a:t>Victim Segment</a:t>
+          </a:r>
+        </a:p>
+      </dgm:t>
+    </dgm:pt>
+    <dgm:pt modelId="{E07DD7F9-45B2-414D-AE9C-A9E6B90AEB18}" type="parTrans" cxnId="{8395C4A8-18DF-4D01-9292-4A394D72BD54}">
+      <dgm:prSet/>
+      <dgm:spPr/>
+      <dgm:t>
+        <a:bodyPr/>
+        <a:lstStyle/>
+        <a:p>
+          <a:endParaRPr lang="en-US" sz="2000">
+            <a:ln>
+              <a:noFill/>
+            </a:ln>
+          </a:endParaRPr>
+        </a:p>
+      </dgm:t>
+    </dgm:pt>
+    <dgm:pt modelId="{074B0C9B-0852-464A-8601-395AFDB3DED9}" type="sibTrans" cxnId="{8395C4A8-18DF-4D01-9292-4A394D72BD54}">
       <dgm:prSet/>
       <dgm:spPr/>
       <dgm:t>
@@ -968,25 +1069,40 @@
         </a:p>
       </dgm:t>
     </dgm:pt>
-    <dgm:pt modelId="{D626365C-807B-4F03-A030-B87875FDD898}">
-      <dgm:prSet phldrT="[Text]"/>
+    <dgm:pt modelId="{D6DA8CE0-0549-497E-A301-B56A93ADEC15}">
+      <dgm:prSet custT="1"/>
       <dgm:spPr/>
       <dgm:t>
         <a:bodyPr/>
         <a:lstStyle/>
         <a:p>
           <a:r>
-            <a:rPr lang="en-US" dirty="0">
+            <a:rPr lang="en-US" sz="2400" dirty="0">
               <a:ln>
                 <a:noFill/>
               </a:ln>
             </a:rPr>
-            <a:t>Administrative Segment</a:t>
+            <a:t>Offender Segment</a:t>
           </a:r>
         </a:p>
       </dgm:t>
     </dgm:pt>
-    <dgm:pt modelId="{466B831E-E542-44FB-93A8-92269AF40869}" type="parTrans" cxnId="{A6752816-0121-45EB-94C0-01BFC48150A0}">
+    <dgm:pt modelId="{1F3497F4-E8E7-4C45-B89D-F952E5D687BC}" type="parTrans" cxnId="{AE09B752-8A7F-4553-A676-3EB130FBCFF0}">
+      <dgm:prSet/>
+      <dgm:spPr/>
+      <dgm:t>
+        <a:bodyPr/>
+        <a:lstStyle/>
+        <a:p>
+          <a:endParaRPr lang="en-US" sz="2000">
+            <a:ln>
+              <a:noFill/>
+            </a:ln>
+          </a:endParaRPr>
+        </a:p>
+      </dgm:t>
+    </dgm:pt>
+    <dgm:pt modelId="{FF52B8DE-BADB-4506-A6A9-E47041F2467C}" type="sibTrans" cxnId="{AE09B752-8A7F-4553-A676-3EB130FBCFF0}">
       <dgm:prSet/>
       <dgm:spPr/>
       <dgm:t>
@@ -1001,7 +1117,40 @@
         </a:p>
       </dgm:t>
     </dgm:pt>
-    <dgm:pt modelId="{CE06666C-2048-4DCB-BB26-B42566C11CE4}" type="sibTrans" cxnId="{A6752816-0121-45EB-94C0-01BFC48150A0}">
+    <dgm:pt modelId="{43FD0814-036E-460F-BA80-E4B62D7DB3F3}">
+      <dgm:prSet custT="1"/>
+      <dgm:spPr/>
+      <dgm:t>
+        <a:bodyPr/>
+        <a:lstStyle/>
+        <a:p>
+          <a:r>
+            <a:rPr lang="en-US" sz="2400" dirty="0">
+              <a:ln>
+                <a:noFill/>
+              </a:ln>
+            </a:rPr>
+            <a:t>Arrestee Segment</a:t>
+          </a:r>
+        </a:p>
+      </dgm:t>
+    </dgm:pt>
+    <dgm:pt modelId="{9FEA1408-0096-4B99-B7DA-72AABC168548}" type="parTrans" cxnId="{DBF0EEE4-EDC0-49D7-97A4-7CC82C391ED2}">
+      <dgm:prSet/>
+      <dgm:spPr/>
+      <dgm:t>
+        <a:bodyPr/>
+        <a:lstStyle/>
+        <a:p>
+          <a:endParaRPr lang="en-US" sz="2000">
+            <a:ln>
+              <a:noFill/>
+            </a:ln>
+          </a:endParaRPr>
+        </a:p>
+      </dgm:t>
+    </dgm:pt>
+    <dgm:pt modelId="{33AED4CC-C5F9-4153-82C8-CB74A224AE3F}" type="sibTrans" cxnId="{DBF0EEE4-EDC0-49D7-97A4-7CC82C391ED2}">
       <dgm:prSet/>
       <dgm:spPr/>
       <dgm:t>
@@ -1016,243 +1165,119 @@
         </a:p>
       </dgm:t>
     </dgm:pt>
-    <dgm:pt modelId="{E070848B-3858-4BF9-813A-E01D8B7BCE74}">
-      <dgm:prSet phldrT="[Text]"/>
-      <dgm:spPr/>
+    <dgm:pt modelId="{990328BC-0AFA-4664-AD9D-12764C38A9A4}">
+      <dgm:prSet custT="1"/>
+      <dgm:spPr>
+        <a:solidFill>
+          <a:schemeClr val="accent2"/>
+        </a:solidFill>
+      </dgm:spPr>
       <dgm:t>
         <a:bodyPr/>
         <a:lstStyle/>
         <a:p>
           <a:r>
-            <a:rPr lang="en-US" dirty="0">
-              <a:ln>
-                <a:noFill/>
-              </a:ln>
-            </a:rPr>
-            <a:t>Offense Segment</a:t>
+            <a:rPr lang="en-US" sz="2400" dirty="0"/>
+            <a:t>Crime is Reported</a:t>
           </a:r>
         </a:p>
       </dgm:t>
     </dgm:pt>
-    <dgm:pt modelId="{0774A2F8-F74E-4EA1-BE67-BD6FB13ECF57}" type="parTrans" cxnId="{E29467FD-E3E2-46DA-8DF2-81D5CEC9E7D0}">
+    <dgm:pt modelId="{28DDF070-C997-436A-8208-5C304BF72D54}" type="parTrans" cxnId="{3998AB37-24F7-4EEC-9239-F21719EA13CC}">
       <dgm:prSet/>
       <dgm:spPr/>
       <dgm:t>
         <a:bodyPr/>
         <a:lstStyle/>
         <a:p>
-          <a:endParaRPr lang="en-US">
-            <a:ln>
-              <a:noFill/>
-            </a:ln>
-          </a:endParaRPr>
+          <a:endParaRPr lang="en-US" sz="2000"/>
         </a:p>
       </dgm:t>
     </dgm:pt>
-    <dgm:pt modelId="{17E689D7-CFCB-462E-9503-87EB4282F873}" type="sibTrans" cxnId="{E29467FD-E3E2-46DA-8DF2-81D5CEC9E7D0}">
+    <dgm:pt modelId="{7C1C0863-4BA0-4A6F-9A38-661A094992E2}" type="sibTrans" cxnId="{3998AB37-24F7-4EEC-9239-F21719EA13CC}">
       <dgm:prSet/>
       <dgm:spPr/>
       <dgm:t>
         <a:bodyPr/>
         <a:lstStyle/>
         <a:p>
-          <a:endParaRPr lang="en-US">
-            <a:ln>
-              <a:noFill/>
-            </a:ln>
-          </a:endParaRPr>
+          <a:endParaRPr lang="en-US"/>
         </a:p>
       </dgm:t>
     </dgm:pt>
-    <dgm:pt modelId="{68BBDC16-D7C2-48A2-9DFB-9A045C18DD07}">
-      <dgm:prSet phldrT="[Text]"/>
-      <dgm:spPr/>
+    <dgm:pt modelId="{9993C4FF-7142-4BEB-AFB7-E0B4E828BF31}">
+      <dgm:prSet custT="1"/>
+      <dgm:spPr>
+        <a:solidFill>
+          <a:schemeClr val="accent2"/>
+        </a:solidFill>
+      </dgm:spPr>
       <dgm:t>
         <a:bodyPr/>
         <a:lstStyle/>
         <a:p>
           <a:r>
-            <a:rPr lang="en-US" dirty="0">
-              <a:ln>
-                <a:noFill/>
-              </a:ln>
-            </a:rPr>
-            <a:t>Property Segment</a:t>
+            <a:rPr lang="en-US" sz="2400" dirty="0"/>
+            <a:t>Crime Occurs</a:t>
           </a:r>
         </a:p>
       </dgm:t>
     </dgm:pt>
-    <dgm:pt modelId="{DC43C7F4-5542-43B3-A2E2-A1F68BB1ADEA}" type="parTrans" cxnId="{F5E22741-D7BA-4617-82A1-C6FFDFEEBFE8}">
+    <dgm:pt modelId="{AB89FD6B-5C62-4300-9FC2-4EE74C66043D}" type="parTrans" cxnId="{85DEB678-8B79-4F3B-B490-0AE077DACCFB}">
       <dgm:prSet/>
       <dgm:spPr/>
       <dgm:t>
         <a:bodyPr/>
         <a:lstStyle/>
         <a:p>
-          <a:endParaRPr lang="en-US">
-            <a:ln>
-              <a:noFill/>
-            </a:ln>
-          </a:endParaRPr>
+          <a:endParaRPr lang="en-US"/>
         </a:p>
       </dgm:t>
     </dgm:pt>
-    <dgm:pt modelId="{B4DB9D0A-BE53-4DBD-9411-8F6D53399010}" type="sibTrans" cxnId="{F5E22741-D7BA-4617-82A1-C6FFDFEEBFE8}">
+    <dgm:pt modelId="{F95559B5-A5F3-4B2F-B117-CCCC4A322F26}" type="sibTrans" cxnId="{85DEB678-8B79-4F3B-B490-0AE077DACCFB}">
       <dgm:prSet/>
       <dgm:spPr/>
       <dgm:t>
         <a:bodyPr/>
         <a:lstStyle/>
         <a:p>
-          <a:endParaRPr lang="en-US">
-            <a:ln>
-              <a:noFill/>
-            </a:ln>
-          </a:endParaRPr>
+          <a:endParaRPr lang="en-US"/>
         </a:p>
       </dgm:t>
     </dgm:pt>
-    <dgm:pt modelId="{52103835-50B7-48F1-B4A9-4A578E23682C}">
-      <dgm:prSet/>
+    <dgm:pt modelId="{1315195D-F25B-4206-BB45-7E09998DED72}">
+      <dgm:prSet custT="1"/>
       <dgm:spPr/>
       <dgm:t>
         <a:bodyPr/>
         <a:lstStyle/>
         <a:p>
           <a:r>
-            <a:rPr lang="en-US" dirty="0">
-              <a:ln>
-                <a:noFill/>
-              </a:ln>
-            </a:rPr>
-            <a:t>Victim Segment</a:t>
+            <a:rPr lang="en-US" sz="2400" dirty="0"/>
+            <a:t>Group B Arrest</a:t>
           </a:r>
         </a:p>
       </dgm:t>
     </dgm:pt>
-    <dgm:pt modelId="{E07DD7F9-45B2-414D-AE9C-A9E6B90AEB18}" type="parTrans" cxnId="{8395C4A8-18DF-4D01-9292-4A394D72BD54}">
+    <dgm:pt modelId="{1FBB86B6-D801-4779-B30B-1F294DC7CEED}" type="parTrans" cxnId="{1250EF30-D236-418B-B3FD-AC12112404AC}">
       <dgm:prSet/>
       <dgm:spPr/>
       <dgm:t>
         <a:bodyPr/>
         <a:lstStyle/>
         <a:p>
-          <a:endParaRPr lang="en-US">
-            <a:ln>
-              <a:noFill/>
-            </a:ln>
-          </a:endParaRPr>
+          <a:endParaRPr lang="en-US" sz="2000"/>
         </a:p>
       </dgm:t>
     </dgm:pt>
-    <dgm:pt modelId="{074B0C9B-0852-464A-8601-395AFDB3DED9}" type="sibTrans" cxnId="{8395C4A8-18DF-4D01-9292-4A394D72BD54}">
+    <dgm:pt modelId="{725C914C-E103-4660-93F2-EEA204851215}" type="sibTrans" cxnId="{1250EF30-D236-418B-B3FD-AC12112404AC}">
       <dgm:prSet/>
       <dgm:spPr/>
       <dgm:t>
         <a:bodyPr/>
         <a:lstStyle/>
         <a:p>
-          <a:endParaRPr lang="en-US">
-            <a:ln>
-              <a:noFill/>
-            </a:ln>
-          </a:endParaRPr>
-        </a:p>
-      </dgm:t>
-    </dgm:pt>
-    <dgm:pt modelId="{D6DA8CE0-0549-497E-A301-B56A93ADEC15}">
-      <dgm:prSet/>
-      <dgm:spPr/>
-      <dgm:t>
-        <a:bodyPr/>
-        <a:lstStyle/>
-        <a:p>
-          <a:r>
-            <a:rPr lang="en-US" dirty="0">
-              <a:ln>
-                <a:noFill/>
-              </a:ln>
-            </a:rPr>
-            <a:t>Offender Segment</a:t>
-          </a:r>
-        </a:p>
-      </dgm:t>
-    </dgm:pt>
-    <dgm:pt modelId="{1F3497F4-E8E7-4C45-B89D-F952E5D687BC}" type="parTrans" cxnId="{AE09B752-8A7F-4553-A676-3EB130FBCFF0}">
-      <dgm:prSet/>
-      <dgm:spPr/>
-      <dgm:t>
-        <a:bodyPr/>
-        <a:lstStyle/>
-        <a:p>
-          <a:endParaRPr lang="en-US">
-            <a:ln>
-              <a:noFill/>
-            </a:ln>
-          </a:endParaRPr>
-        </a:p>
-      </dgm:t>
-    </dgm:pt>
-    <dgm:pt modelId="{FF52B8DE-BADB-4506-A6A9-E47041F2467C}" type="sibTrans" cxnId="{AE09B752-8A7F-4553-A676-3EB130FBCFF0}">
-      <dgm:prSet/>
-      <dgm:spPr/>
-      <dgm:t>
-        <a:bodyPr/>
-        <a:lstStyle/>
-        <a:p>
-          <a:endParaRPr lang="en-US">
-            <a:ln>
-              <a:noFill/>
-            </a:ln>
-          </a:endParaRPr>
-        </a:p>
-      </dgm:t>
-    </dgm:pt>
-    <dgm:pt modelId="{43FD0814-036E-460F-BA80-E4B62D7DB3F3}">
-      <dgm:prSet/>
-      <dgm:spPr/>
-      <dgm:t>
-        <a:bodyPr/>
-        <a:lstStyle/>
-        <a:p>
-          <a:r>
-            <a:rPr lang="en-US" dirty="0">
-              <a:ln>
-                <a:noFill/>
-              </a:ln>
-            </a:rPr>
-            <a:t>Arrestee Segment</a:t>
-          </a:r>
-        </a:p>
-      </dgm:t>
-    </dgm:pt>
-    <dgm:pt modelId="{9FEA1408-0096-4B99-B7DA-72AABC168548}" type="parTrans" cxnId="{DBF0EEE4-EDC0-49D7-97A4-7CC82C391ED2}">
-      <dgm:prSet/>
-      <dgm:spPr/>
-      <dgm:t>
-        <a:bodyPr/>
-        <a:lstStyle/>
-        <a:p>
-          <a:endParaRPr lang="en-US">
-            <a:ln>
-              <a:noFill/>
-            </a:ln>
-          </a:endParaRPr>
-        </a:p>
-      </dgm:t>
-    </dgm:pt>
-    <dgm:pt modelId="{33AED4CC-C5F9-4153-82C8-CB74A224AE3F}" type="sibTrans" cxnId="{DBF0EEE4-EDC0-49D7-97A4-7CC82C391ED2}">
-      <dgm:prSet/>
-      <dgm:spPr/>
-      <dgm:t>
-        <a:bodyPr/>
-        <a:lstStyle/>
-        <a:p>
-          <a:endParaRPr lang="en-US">
-            <a:ln>
-              <a:noFill/>
-            </a:ln>
-          </a:endParaRPr>
+          <a:endParaRPr lang="en-US"/>
         </a:p>
       </dgm:t>
     </dgm:pt>
@@ -1269,72 +1294,136 @@
       </dgm:prSet>
       <dgm:spPr/>
     </dgm:pt>
-    <dgm:pt modelId="{BD0CAF85-9360-4879-AA5B-5993DC16A183}" type="pres">
-      <dgm:prSet presAssocID="{5697626D-0CAE-4960-A7D6-10FD8A142981}" presName="hierRoot1" presStyleCnt="0">
+    <dgm:pt modelId="{0C35C036-EBA5-423E-86DE-4BBE19CF9924}" type="pres">
+      <dgm:prSet presAssocID="{9993C4FF-7142-4BEB-AFB7-E0B4E828BF31}" presName="hierRoot1" presStyleCnt="0">
         <dgm:presLayoutVars>
           <dgm:hierBranch val="init"/>
         </dgm:presLayoutVars>
       </dgm:prSet>
       <dgm:spPr/>
     </dgm:pt>
-    <dgm:pt modelId="{D93EECBA-DD00-479F-B05F-F1E44B79266B}" type="pres">
-      <dgm:prSet presAssocID="{5697626D-0CAE-4960-A7D6-10FD8A142981}" presName="rootComposite1" presStyleCnt="0"/>
-      <dgm:spPr/>
-    </dgm:pt>
-    <dgm:pt modelId="{EBBD8710-6C96-4388-9AF2-092362E0B322}" type="pres">
-      <dgm:prSet presAssocID="{5697626D-0CAE-4960-A7D6-10FD8A142981}" presName="rootText1" presStyleLbl="node0" presStyleIdx="0" presStyleCnt="1">
+    <dgm:pt modelId="{93C0FF41-64B7-465A-BD6A-71C710331964}" type="pres">
+      <dgm:prSet presAssocID="{9993C4FF-7142-4BEB-AFB7-E0B4E828BF31}" presName="rootComposite1" presStyleCnt="0"/>
+      <dgm:spPr/>
+    </dgm:pt>
+    <dgm:pt modelId="{8D0279A7-3574-4D45-BE01-5DD3045E59D8}" type="pres">
+      <dgm:prSet presAssocID="{9993C4FF-7142-4BEB-AFB7-E0B4E828BF31}" presName="rootText1" presStyleLbl="node0" presStyleIdx="0" presStyleCnt="1">
         <dgm:presLayoutVars>
           <dgm:chPref val="3"/>
         </dgm:presLayoutVars>
       </dgm:prSet>
       <dgm:spPr/>
     </dgm:pt>
-    <dgm:pt modelId="{69841378-5141-4130-81EF-F7B4CF7F07DC}" type="pres">
-      <dgm:prSet presAssocID="{5697626D-0CAE-4960-A7D6-10FD8A142981}" presName="rootConnector1" presStyleLbl="node1" presStyleIdx="0" presStyleCnt="0"/>
-      <dgm:spPr/>
-    </dgm:pt>
-    <dgm:pt modelId="{EA7E48B8-EFC6-41FB-8878-215194F8CC1C}" type="pres">
-      <dgm:prSet presAssocID="{5697626D-0CAE-4960-A7D6-10FD8A142981}" presName="hierChild2" presStyleCnt="0"/>
-      <dgm:spPr/>
-    </dgm:pt>
-    <dgm:pt modelId="{A27F0A45-7F18-4EC7-B96E-31D8DE2B648C}" type="pres">
-      <dgm:prSet presAssocID="{466B831E-E542-44FB-93A8-92269AF40869}" presName="Name37" presStyleLbl="parChTrans1D2" presStyleIdx="0" presStyleCnt="6"/>
-      <dgm:spPr/>
-    </dgm:pt>
-    <dgm:pt modelId="{ED27CF3D-D357-4474-9B7E-F12036C1DA34}" type="pres">
-      <dgm:prSet presAssocID="{D626365C-807B-4F03-A030-B87875FDD898}" presName="hierRoot2" presStyleCnt="0">
+    <dgm:pt modelId="{0332C766-23F2-4386-BD5C-BCDCC1FDFFEC}" type="pres">
+      <dgm:prSet presAssocID="{9993C4FF-7142-4BEB-AFB7-E0B4E828BF31}" presName="rootConnector1" presStyleLbl="node1" presStyleIdx="0" presStyleCnt="0"/>
+      <dgm:spPr/>
+    </dgm:pt>
+    <dgm:pt modelId="{98B4820C-67B6-4176-9958-EA1E747E4332}" type="pres">
+      <dgm:prSet presAssocID="{9993C4FF-7142-4BEB-AFB7-E0B4E828BF31}" presName="hierChild2" presStyleCnt="0"/>
+      <dgm:spPr/>
+    </dgm:pt>
+    <dgm:pt modelId="{22B0B9C9-A169-43F7-B78A-C4E9769CCEDC}" type="pres">
+      <dgm:prSet presAssocID="{28DDF070-C997-436A-8208-5C304BF72D54}" presName="Name37" presStyleLbl="parChTrans1D2" presStyleIdx="0" presStyleCnt="1"/>
+      <dgm:spPr/>
+    </dgm:pt>
+    <dgm:pt modelId="{030BEB53-66DA-47F2-937F-C7B625B2CAD2}" type="pres">
+      <dgm:prSet presAssocID="{990328BC-0AFA-4664-AD9D-12764C38A9A4}" presName="hierRoot2" presStyleCnt="0">
         <dgm:presLayoutVars>
           <dgm:hierBranch val="init"/>
         </dgm:presLayoutVars>
       </dgm:prSet>
       <dgm:spPr/>
     </dgm:pt>
-    <dgm:pt modelId="{384E6EAB-4724-47BD-8E6E-5BAB204B4A94}" type="pres">
-      <dgm:prSet presAssocID="{D626365C-807B-4F03-A030-B87875FDD898}" presName="rootComposite" presStyleCnt="0"/>
-      <dgm:spPr/>
-    </dgm:pt>
-    <dgm:pt modelId="{46CBDDF5-74C0-4C65-AE9C-A74686881943}" type="pres">
-      <dgm:prSet presAssocID="{D626365C-807B-4F03-A030-B87875FDD898}" presName="rootText" presStyleLbl="node2" presStyleIdx="0" presStyleCnt="5">
+    <dgm:pt modelId="{713BF96B-43F7-407B-861A-B16FCDD73256}" type="pres">
+      <dgm:prSet presAssocID="{990328BC-0AFA-4664-AD9D-12764C38A9A4}" presName="rootComposite" presStyleCnt="0"/>
+      <dgm:spPr/>
+    </dgm:pt>
+    <dgm:pt modelId="{D0F0245F-84CA-4056-8312-A12650F66130}" type="pres">
+      <dgm:prSet presAssocID="{990328BC-0AFA-4664-AD9D-12764C38A9A4}" presName="rootText" presStyleLbl="node2" presStyleIdx="0" presStyleCnt="1">
         <dgm:presLayoutVars>
           <dgm:chPref val="3"/>
         </dgm:presLayoutVars>
       </dgm:prSet>
       <dgm:spPr/>
     </dgm:pt>
-    <dgm:pt modelId="{CD399746-1C8A-4BA9-9ECE-A15F2E3980AC}" type="pres">
-      <dgm:prSet presAssocID="{D626365C-807B-4F03-A030-B87875FDD898}" presName="rootConnector" presStyleLbl="node2" presStyleIdx="0" presStyleCnt="5"/>
-      <dgm:spPr/>
-    </dgm:pt>
-    <dgm:pt modelId="{24995500-DEB6-42E9-9EF4-970493230BFF}" type="pres">
-      <dgm:prSet presAssocID="{D626365C-807B-4F03-A030-B87875FDD898}" presName="hierChild4" presStyleCnt="0"/>
-      <dgm:spPr/>
-    </dgm:pt>
-    <dgm:pt modelId="{E6BE7A8C-05B4-459F-8579-16B1833445D7}" type="pres">
-      <dgm:prSet presAssocID="{D626365C-807B-4F03-A030-B87875FDD898}" presName="hierChild5" presStyleCnt="0"/>
+    <dgm:pt modelId="{6D1D0ECA-F872-4E0D-B82A-5306763AAA7E}" type="pres">
+      <dgm:prSet presAssocID="{990328BC-0AFA-4664-AD9D-12764C38A9A4}" presName="rootConnector" presStyleLbl="node2" presStyleIdx="0" presStyleCnt="1"/>
+      <dgm:spPr/>
+    </dgm:pt>
+    <dgm:pt modelId="{E2611102-6CA0-4FF7-96D8-9A4C0AA5ABB5}" type="pres">
+      <dgm:prSet presAssocID="{990328BC-0AFA-4664-AD9D-12764C38A9A4}" presName="hierChild4" presStyleCnt="0"/>
+      <dgm:spPr/>
+    </dgm:pt>
+    <dgm:pt modelId="{6569105F-8139-4505-A3BC-A2283C6275D4}" type="pres">
+      <dgm:prSet presAssocID="{1FBB86B6-D801-4779-B30B-1F294DC7CEED}" presName="Name37" presStyleLbl="parChTrans1D3" presStyleIdx="0" presStyleCnt="2"/>
+      <dgm:spPr/>
+    </dgm:pt>
+    <dgm:pt modelId="{25C8E1AE-E66C-41F0-94A7-DBBC70166B43}" type="pres">
+      <dgm:prSet presAssocID="{1315195D-F25B-4206-BB45-7E09998DED72}" presName="hierRoot2" presStyleCnt="0">
+        <dgm:presLayoutVars>
+          <dgm:hierBranch val="init"/>
+        </dgm:presLayoutVars>
+      </dgm:prSet>
+      <dgm:spPr/>
+    </dgm:pt>
+    <dgm:pt modelId="{317CDCBD-A0EE-48F1-955C-3008F29CC946}" type="pres">
+      <dgm:prSet presAssocID="{1315195D-F25B-4206-BB45-7E09998DED72}" presName="rootComposite" presStyleCnt="0"/>
+      <dgm:spPr/>
+    </dgm:pt>
+    <dgm:pt modelId="{8FD909AE-5363-4622-BF12-F93C5AD28B4E}" type="pres">
+      <dgm:prSet presAssocID="{1315195D-F25B-4206-BB45-7E09998DED72}" presName="rootText" presStyleLbl="node3" presStyleIdx="0" presStyleCnt="2">
+        <dgm:presLayoutVars>
+          <dgm:chPref val="3"/>
+        </dgm:presLayoutVars>
+      </dgm:prSet>
+      <dgm:spPr/>
+    </dgm:pt>
+    <dgm:pt modelId="{DC854D87-9A4B-45FA-9B99-A1F2F342A08F}" type="pres">
+      <dgm:prSet presAssocID="{1315195D-F25B-4206-BB45-7E09998DED72}" presName="rootConnector" presStyleLbl="node3" presStyleIdx="0" presStyleCnt="2"/>
+      <dgm:spPr/>
+    </dgm:pt>
+    <dgm:pt modelId="{E33EE08F-7418-48EB-A184-DE5AFB9AFA64}" type="pres">
+      <dgm:prSet presAssocID="{1315195D-F25B-4206-BB45-7E09998DED72}" presName="hierChild4" presStyleCnt="0"/>
+      <dgm:spPr/>
+    </dgm:pt>
+    <dgm:pt modelId="{4EFA0BB2-7086-4886-82CB-FFECB9632559}" type="pres">
+      <dgm:prSet presAssocID="{1315195D-F25B-4206-BB45-7E09998DED72}" presName="hierChild5" presStyleCnt="0"/>
+      <dgm:spPr/>
+    </dgm:pt>
+    <dgm:pt modelId="{EC151F7C-E17D-49A6-B394-2B455C77DFAB}" type="pres">
+      <dgm:prSet presAssocID="{39FD5052-F118-48EF-973A-7A1E08945E73}" presName="Name37" presStyleLbl="parChTrans1D3" presStyleIdx="1" presStyleCnt="2"/>
+      <dgm:spPr/>
+    </dgm:pt>
+    <dgm:pt modelId="{FF7EA850-B812-4B0B-BF77-F700763688B6}" type="pres">
+      <dgm:prSet presAssocID="{5697626D-0CAE-4960-A7D6-10FD8A142981}" presName="hierRoot2" presStyleCnt="0">
+        <dgm:presLayoutVars>
+          <dgm:hierBranch val="init"/>
+        </dgm:presLayoutVars>
+      </dgm:prSet>
+      <dgm:spPr/>
+    </dgm:pt>
+    <dgm:pt modelId="{BC147005-CB01-41A1-93BE-6D169187CEF3}" type="pres">
+      <dgm:prSet presAssocID="{5697626D-0CAE-4960-A7D6-10FD8A142981}" presName="rootComposite" presStyleCnt="0"/>
+      <dgm:spPr/>
+    </dgm:pt>
+    <dgm:pt modelId="{112BB241-2978-435E-A5BE-8E338738BA0A}" type="pres">
+      <dgm:prSet presAssocID="{5697626D-0CAE-4960-A7D6-10FD8A142981}" presName="rootText" presStyleLbl="node3" presStyleIdx="1" presStyleCnt="2" custScaleX="111181">
+        <dgm:presLayoutVars>
+          <dgm:chPref val="3"/>
+        </dgm:presLayoutVars>
+      </dgm:prSet>
+      <dgm:spPr/>
+    </dgm:pt>
+    <dgm:pt modelId="{9CC2B0F2-13EA-4851-A662-70744387A433}" type="pres">
+      <dgm:prSet presAssocID="{5697626D-0CAE-4960-A7D6-10FD8A142981}" presName="rootConnector" presStyleLbl="node3" presStyleIdx="1" presStyleCnt="2"/>
+      <dgm:spPr/>
+    </dgm:pt>
+    <dgm:pt modelId="{BF9126CB-6316-4FB5-9099-FD6EB783B6F0}" type="pres">
+      <dgm:prSet presAssocID="{5697626D-0CAE-4960-A7D6-10FD8A142981}" presName="hierChild4" presStyleCnt="0"/>
       <dgm:spPr/>
     </dgm:pt>
     <dgm:pt modelId="{0889DF0F-2E23-41BE-9A34-6D9DA6D14B09}" type="pres">
-      <dgm:prSet presAssocID="{0774A2F8-F74E-4EA1-BE67-BD6FB13ECF57}" presName="Name37" presStyleLbl="parChTrans1D2" presStyleIdx="1" presStyleCnt="6"/>
+      <dgm:prSet presAssocID="{0774A2F8-F74E-4EA1-BE67-BD6FB13ECF57}" presName="Name37" presStyleLbl="parChTrans1D4" presStyleIdx="0" presStyleCnt="5"/>
       <dgm:spPr/>
     </dgm:pt>
     <dgm:pt modelId="{04D24059-5448-44D2-883C-6FD015757069}" type="pres">
@@ -1350,7 +1439,7 @@
       <dgm:spPr/>
     </dgm:pt>
     <dgm:pt modelId="{BAE3A09A-FCF7-4258-BA02-36755BF67B06}" type="pres">
-      <dgm:prSet presAssocID="{E070848B-3858-4BF9-813A-E01D8B7BCE74}" presName="rootText" presStyleLbl="node2" presStyleIdx="1" presStyleCnt="5">
+      <dgm:prSet presAssocID="{E070848B-3858-4BF9-813A-E01D8B7BCE74}" presName="rootText" presStyleLbl="node4" presStyleIdx="0" presStyleCnt="5">
         <dgm:presLayoutVars>
           <dgm:chPref val="3"/>
         </dgm:presLayoutVars>
@@ -1358,7 +1447,7 @@
       <dgm:spPr/>
     </dgm:pt>
     <dgm:pt modelId="{23729C1A-32B2-4CCC-872F-FBE3346D2FD7}" type="pres">
-      <dgm:prSet presAssocID="{E070848B-3858-4BF9-813A-E01D8B7BCE74}" presName="rootConnector" presStyleLbl="node2" presStyleIdx="1" presStyleCnt="5"/>
+      <dgm:prSet presAssocID="{E070848B-3858-4BF9-813A-E01D8B7BCE74}" presName="rootConnector" presStyleLbl="node4" presStyleIdx="0" presStyleCnt="5"/>
       <dgm:spPr/>
     </dgm:pt>
     <dgm:pt modelId="{29EF9BF8-98F7-46B2-8AF1-819DA06B48F2}" type="pres">
@@ -1370,7 +1459,7 @@
       <dgm:spPr/>
     </dgm:pt>
     <dgm:pt modelId="{F0B36700-C099-4D29-89FA-3FCA3F0496A3}" type="pres">
-      <dgm:prSet presAssocID="{1F3497F4-E8E7-4C45-B89D-F952E5D687BC}" presName="Name37" presStyleLbl="parChTrans1D2" presStyleIdx="2" presStyleCnt="6"/>
+      <dgm:prSet presAssocID="{1F3497F4-E8E7-4C45-B89D-F952E5D687BC}" presName="Name37" presStyleLbl="parChTrans1D4" presStyleIdx="1" presStyleCnt="5"/>
       <dgm:spPr/>
     </dgm:pt>
     <dgm:pt modelId="{CE5650D7-9DCA-4F39-91AB-5F61168EE570}" type="pres">
@@ -1386,7 +1475,7 @@
       <dgm:spPr/>
     </dgm:pt>
     <dgm:pt modelId="{39B7AE51-99CE-451B-95E9-85A0014969C7}" type="pres">
-      <dgm:prSet presAssocID="{D6DA8CE0-0549-497E-A301-B56A93ADEC15}" presName="rootText" presStyleLbl="node2" presStyleIdx="2" presStyleCnt="5">
+      <dgm:prSet presAssocID="{D6DA8CE0-0549-497E-A301-B56A93ADEC15}" presName="rootText" presStyleLbl="node4" presStyleIdx="1" presStyleCnt="5">
         <dgm:presLayoutVars>
           <dgm:chPref val="3"/>
         </dgm:presLayoutVars>
@@ -1394,7 +1483,7 @@
       <dgm:spPr/>
     </dgm:pt>
     <dgm:pt modelId="{B819F389-2A83-49B7-822A-8EAAD70BB276}" type="pres">
-      <dgm:prSet presAssocID="{D6DA8CE0-0549-497E-A301-B56A93ADEC15}" presName="rootConnector" presStyleLbl="node2" presStyleIdx="2" presStyleCnt="5"/>
+      <dgm:prSet presAssocID="{D6DA8CE0-0549-497E-A301-B56A93ADEC15}" presName="rootConnector" presStyleLbl="node4" presStyleIdx="1" presStyleCnt="5"/>
       <dgm:spPr/>
     </dgm:pt>
     <dgm:pt modelId="{074A0FAC-0AD3-4D9C-A4F9-17662230B91B}" type="pres">
@@ -1402,7 +1491,7 @@
       <dgm:spPr/>
     </dgm:pt>
     <dgm:pt modelId="{45DAC09D-0D10-4B49-A68A-9928AF4D0194}" type="pres">
-      <dgm:prSet presAssocID="{9FEA1408-0096-4B99-B7DA-72AABC168548}" presName="Name37" presStyleLbl="parChTrans1D3" presStyleIdx="0" presStyleCnt="1"/>
+      <dgm:prSet presAssocID="{9FEA1408-0096-4B99-B7DA-72AABC168548}" presName="Name37" presStyleLbl="parChTrans1D4" presStyleIdx="2" presStyleCnt="5"/>
       <dgm:spPr/>
     </dgm:pt>
     <dgm:pt modelId="{B981422B-AD93-4E14-B5FB-9A58131EDD91}" type="pres">
@@ -1418,7 +1507,7 @@
       <dgm:spPr/>
     </dgm:pt>
     <dgm:pt modelId="{CD6E4A4C-23C0-45B7-9443-F3AD1ADD7E33}" type="pres">
-      <dgm:prSet presAssocID="{43FD0814-036E-460F-BA80-E4B62D7DB3F3}" presName="rootText" presStyleLbl="node3" presStyleIdx="0" presStyleCnt="1">
+      <dgm:prSet presAssocID="{43FD0814-036E-460F-BA80-E4B62D7DB3F3}" presName="rootText" presStyleLbl="node4" presStyleIdx="2" presStyleCnt="5">
         <dgm:presLayoutVars>
           <dgm:chPref val="3"/>
         </dgm:presLayoutVars>
@@ -1426,7 +1515,7 @@
       <dgm:spPr/>
     </dgm:pt>
     <dgm:pt modelId="{BFFBA1FD-8061-4AAA-843F-2CE03190C688}" type="pres">
-      <dgm:prSet presAssocID="{43FD0814-036E-460F-BA80-E4B62D7DB3F3}" presName="rootConnector" presStyleLbl="node3" presStyleIdx="0" presStyleCnt="1"/>
+      <dgm:prSet presAssocID="{43FD0814-036E-460F-BA80-E4B62D7DB3F3}" presName="rootConnector" presStyleLbl="node4" presStyleIdx="2" presStyleCnt="5"/>
       <dgm:spPr/>
     </dgm:pt>
     <dgm:pt modelId="{4F74775A-1F2B-4052-9292-552266E30695}" type="pres">
@@ -1442,7 +1531,7 @@
       <dgm:spPr/>
     </dgm:pt>
     <dgm:pt modelId="{78CB9228-7CF9-4F7A-9D73-DD164D2D8F6A}" type="pres">
-      <dgm:prSet presAssocID="{E07DD7F9-45B2-414D-AE9C-A9E6B90AEB18}" presName="Name37" presStyleLbl="parChTrans1D2" presStyleIdx="3" presStyleCnt="6"/>
+      <dgm:prSet presAssocID="{E07DD7F9-45B2-414D-AE9C-A9E6B90AEB18}" presName="Name37" presStyleLbl="parChTrans1D4" presStyleIdx="3" presStyleCnt="5"/>
       <dgm:spPr/>
     </dgm:pt>
     <dgm:pt modelId="{438841AD-E287-4B00-8952-3E527A209727}" type="pres">
@@ -1458,7 +1547,7 @@
       <dgm:spPr/>
     </dgm:pt>
     <dgm:pt modelId="{859DB048-6B27-4E37-83DF-4269DECD04E1}" type="pres">
-      <dgm:prSet presAssocID="{52103835-50B7-48F1-B4A9-4A578E23682C}" presName="rootText" presStyleLbl="node2" presStyleIdx="3" presStyleCnt="5">
+      <dgm:prSet presAssocID="{52103835-50B7-48F1-B4A9-4A578E23682C}" presName="rootText" presStyleLbl="node4" presStyleIdx="3" presStyleCnt="5">
         <dgm:presLayoutVars>
           <dgm:chPref val="3"/>
         </dgm:presLayoutVars>
@@ -1466,7 +1555,7 @@
       <dgm:spPr/>
     </dgm:pt>
     <dgm:pt modelId="{3D714AEC-B3D5-4B39-9BBE-FA11E454EAB7}" type="pres">
-      <dgm:prSet presAssocID="{52103835-50B7-48F1-B4A9-4A578E23682C}" presName="rootConnector" presStyleLbl="node2" presStyleIdx="3" presStyleCnt="5"/>
+      <dgm:prSet presAssocID="{52103835-50B7-48F1-B4A9-4A578E23682C}" presName="rootConnector" presStyleLbl="node4" presStyleIdx="3" presStyleCnt="5"/>
       <dgm:spPr/>
     </dgm:pt>
     <dgm:pt modelId="{8E196CB8-650A-40C9-8C12-8202FBD79CF9}" type="pres">
@@ -1478,7 +1567,7 @@
       <dgm:spPr/>
     </dgm:pt>
     <dgm:pt modelId="{B0F1C19D-23F5-4831-9C73-EB794D5D540C}" type="pres">
-      <dgm:prSet presAssocID="{DC43C7F4-5542-43B3-A2E2-A1F68BB1ADEA}" presName="Name37" presStyleLbl="parChTrans1D2" presStyleIdx="4" presStyleCnt="6"/>
+      <dgm:prSet presAssocID="{DC43C7F4-5542-43B3-A2E2-A1F68BB1ADEA}" presName="Name37" presStyleLbl="parChTrans1D4" presStyleIdx="4" presStyleCnt="5"/>
       <dgm:spPr/>
     </dgm:pt>
     <dgm:pt modelId="{8D87D007-5C44-41C1-9B6E-019AEB762944}" type="pres">
@@ -1494,7 +1583,7 @@
       <dgm:spPr/>
     </dgm:pt>
     <dgm:pt modelId="{702B6CF6-DCE4-4FD7-B765-E87B71FB1846}" type="pres">
-      <dgm:prSet presAssocID="{68BBDC16-D7C2-48A2-9DFB-9A045C18DD07}" presName="rootText" presStyleLbl="node2" presStyleIdx="4" presStyleCnt="5">
+      <dgm:prSet presAssocID="{68BBDC16-D7C2-48A2-9DFB-9A045C18DD07}" presName="rootText" presStyleLbl="node4" presStyleIdx="4" presStyleCnt="5">
         <dgm:presLayoutVars>
           <dgm:chPref val="3"/>
         </dgm:presLayoutVars>
@@ -1502,7 +1591,7 @@
       <dgm:spPr/>
     </dgm:pt>
     <dgm:pt modelId="{B27C57A6-5928-44A4-A790-4BF5598B63F3}" type="pres">
-      <dgm:prSet presAssocID="{68BBDC16-D7C2-48A2-9DFB-9A045C18DD07}" presName="rootConnector" presStyleLbl="node2" presStyleIdx="4" presStyleCnt="5"/>
+      <dgm:prSet presAssocID="{68BBDC16-D7C2-48A2-9DFB-9A045C18DD07}" presName="rootConnector" presStyleLbl="node4" presStyleIdx="4" presStyleCnt="5"/>
       <dgm:spPr/>
     </dgm:pt>
     <dgm:pt modelId="{36B6D653-B6F2-4940-9B6D-B52F019139ED}" type="pres">
@@ -1513,135 +1602,118 @@
       <dgm:prSet presAssocID="{68BBDC16-D7C2-48A2-9DFB-9A045C18DD07}" presName="hierChild5" presStyleCnt="0"/>
       <dgm:spPr/>
     </dgm:pt>
-    <dgm:pt modelId="{4A545356-EAA0-4D1E-9512-7903D5A82038}" type="pres">
-      <dgm:prSet presAssocID="{5697626D-0CAE-4960-A7D6-10FD8A142981}" presName="hierChild3" presStyleCnt="0"/>
-      <dgm:spPr/>
-    </dgm:pt>
-    <dgm:pt modelId="{066E2552-DB68-47DB-978A-E3BDC4481742}" type="pres">
-      <dgm:prSet presAssocID="{A02B3D84-5FC8-4677-9704-451C973A55BC}" presName="Name111" presStyleLbl="parChTrans1D2" presStyleIdx="5" presStyleCnt="6"/>
-      <dgm:spPr/>
-    </dgm:pt>
-    <dgm:pt modelId="{E4434C5F-54DC-406A-99A2-554BE61AB013}" type="pres">
-      <dgm:prSet presAssocID="{0471E3D1-F3E1-4FD3-A6AD-786CA92133BF}" presName="hierRoot3" presStyleCnt="0">
-        <dgm:presLayoutVars>
-          <dgm:hierBranch val="init"/>
-        </dgm:presLayoutVars>
-      </dgm:prSet>
-      <dgm:spPr/>
-    </dgm:pt>
-    <dgm:pt modelId="{FDCB80C1-7B8C-49D0-8777-753B1F5F306F}" type="pres">
-      <dgm:prSet presAssocID="{0471E3D1-F3E1-4FD3-A6AD-786CA92133BF}" presName="rootComposite3" presStyleCnt="0"/>
-      <dgm:spPr/>
-    </dgm:pt>
-    <dgm:pt modelId="{D2887E5A-9FF8-419F-811D-A7F1A8211C08}" type="pres">
-      <dgm:prSet presAssocID="{0471E3D1-F3E1-4FD3-A6AD-786CA92133BF}" presName="rootText3" presStyleLbl="asst1" presStyleIdx="0" presStyleCnt="1">
-        <dgm:presLayoutVars>
-          <dgm:chPref val="3"/>
-        </dgm:presLayoutVars>
-      </dgm:prSet>
-      <dgm:spPr/>
-    </dgm:pt>
-    <dgm:pt modelId="{77E3BBDB-DF9A-48A2-AB92-99E47E2E7092}" type="pres">
-      <dgm:prSet presAssocID="{0471E3D1-F3E1-4FD3-A6AD-786CA92133BF}" presName="rootConnector3" presStyleLbl="asst1" presStyleIdx="0" presStyleCnt="1"/>
-      <dgm:spPr/>
-    </dgm:pt>
-    <dgm:pt modelId="{8A9569BA-C19A-492A-BED9-A1841BF65C6A}" type="pres">
-      <dgm:prSet presAssocID="{0471E3D1-F3E1-4FD3-A6AD-786CA92133BF}" presName="hierChild6" presStyleCnt="0"/>
-      <dgm:spPr/>
-    </dgm:pt>
-    <dgm:pt modelId="{F05B09E9-A312-4558-A9F1-050D8D577B6C}" type="pres">
-      <dgm:prSet presAssocID="{0471E3D1-F3E1-4FD3-A6AD-786CA92133BF}" presName="hierChild7" presStyleCnt="0"/>
+    <dgm:pt modelId="{73562C38-A0E9-4E05-AE32-F39D9395510F}" type="pres">
+      <dgm:prSet presAssocID="{5697626D-0CAE-4960-A7D6-10FD8A142981}" presName="hierChild5" presStyleCnt="0"/>
+      <dgm:spPr/>
+    </dgm:pt>
+    <dgm:pt modelId="{55A8B7C4-448D-46F7-BA4D-93807B3B5B70}" type="pres">
+      <dgm:prSet presAssocID="{990328BC-0AFA-4664-AD9D-12764C38A9A4}" presName="hierChild5" presStyleCnt="0"/>
+      <dgm:spPr/>
+    </dgm:pt>
+    <dgm:pt modelId="{5403CA87-D198-4F73-B143-DFBF781AFA1D}" type="pres">
+      <dgm:prSet presAssocID="{9993C4FF-7142-4BEB-AFB7-E0B4E828BF31}" presName="hierChild3" presStyleCnt="0"/>
       <dgm:spPr/>
     </dgm:pt>
   </dgm:ptLst>
   <dgm:cxnLst>
-    <dgm:cxn modelId="{C9C0F608-B6CC-4F23-9D01-9DB9021C2FF7}" srcId="{5697626D-0CAE-4960-A7D6-10FD8A142981}" destId="{0471E3D1-F3E1-4FD3-A6AD-786CA92133BF}" srcOrd="0" destOrd="0" parTransId="{A02B3D84-5FC8-4677-9704-451C973A55BC}" sibTransId="{3E6B4B22-CF26-4D52-A0E6-F900B4364BE4}"/>
-    <dgm:cxn modelId="{DDF04B0B-CAE8-4B5E-89D4-B7F63BAB7A13}" type="presOf" srcId="{43FD0814-036E-460F-BA80-E4B62D7DB3F3}" destId="{BFFBA1FD-8061-4AAA-843F-2CE03190C688}" srcOrd="1" destOrd="0" presId="urn:microsoft.com/office/officeart/2005/8/layout/orgChart1"/>
-    <dgm:cxn modelId="{A6752816-0121-45EB-94C0-01BFC48150A0}" srcId="{5697626D-0CAE-4960-A7D6-10FD8A142981}" destId="{D626365C-807B-4F03-A030-B87875FDD898}" srcOrd="1" destOrd="0" parTransId="{466B831E-E542-44FB-93A8-92269AF40869}" sibTransId="{CE06666C-2048-4DCB-BB26-B42566C11CE4}"/>
-    <dgm:cxn modelId="{CADA911F-0DA3-42DF-982E-9BCC9F398909}" type="presOf" srcId="{9FEA1408-0096-4B99-B7DA-72AABC168548}" destId="{45DAC09D-0D10-4B49-A68A-9928AF4D0194}" srcOrd="0" destOrd="0" presId="urn:microsoft.com/office/officeart/2005/8/layout/orgChart1"/>
-    <dgm:cxn modelId="{6695BA30-1325-4346-9DC0-B54A8E99071A}" type="presOf" srcId="{A02B3D84-5FC8-4677-9704-451C973A55BC}" destId="{066E2552-DB68-47DB-978A-E3BDC4481742}" srcOrd="0" destOrd="0" presId="urn:microsoft.com/office/officeart/2005/8/layout/orgChart1"/>
-    <dgm:cxn modelId="{5D9FD530-F3B9-4743-B3BB-546770BBB7D2}" type="presOf" srcId="{5697626D-0CAE-4960-A7D6-10FD8A142981}" destId="{69841378-5141-4130-81EF-F7B4CF7F07DC}" srcOrd="1" destOrd="0" presId="urn:microsoft.com/office/officeart/2005/8/layout/orgChart1"/>
-    <dgm:cxn modelId="{FBC2EC3E-3104-42D2-A041-2A084A0D7137}" type="presOf" srcId="{D626365C-807B-4F03-A030-B87875FDD898}" destId="{46CBDDF5-74C0-4C65-AE9C-A74686881943}" srcOrd="0" destOrd="0" presId="urn:microsoft.com/office/officeart/2005/8/layout/orgChart1"/>
-    <dgm:cxn modelId="{322AB55B-21E9-463E-91C2-D2F77BC8FD56}" type="presOf" srcId="{0471E3D1-F3E1-4FD3-A6AD-786CA92133BF}" destId="{77E3BBDB-DF9A-48A2-AB92-99E47E2E7092}" srcOrd="1" destOrd="0" presId="urn:microsoft.com/office/officeart/2005/8/layout/orgChart1"/>
+    <dgm:cxn modelId="{64F58A02-793B-471B-95E1-B870C9628D82}" type="presOf" srcId="{52103835-50B7-48F1-B4A9-4A578E23682C}" destId="{859DB048-6B27-4E37-83DF-4269DECD04E1}" srcOrd="0" destOrd="0" presId="urn:microsoft.com/office/officeart/2005/8/layout/orgChart1"/>
+    <dgm:cxn modelId="{73248712-C4E3-48B1-A1E9-41F2D2542FC2}" type="presOf" srcId="{E070848B-3858-4BF9-813A-E01D8B7BCE74}" destId="{BAE3A09A-FCF7-4258-BA02-36755BF67B06}" srcOrd="0" destOrd="0" presId="urn:microsoft.com/office/officeart/2005/8/layout/orgChart1"/>
+    <dgm:cxn modelId="{B9F4B412-EF14-46AB-A1A3-7FE503982FE8}" type="presOf" srcId="{68BBDC16-D7C2-48A2-9DFB-9A045C18DD07}" destId="{B27C57A6-5928-44A4-A790-4BF5598B63F3}" srcOrd="1" destOrd="0" presId="urn:microsoft.com/office/officeart/2005/8/layout/orgChart1"/>
+    <dgm:cxn modelId="{7584AE13-90B8-42BE-AA83-A36CAA70A5C5}" type="presOf" srcId="{43FD0814-036E-460F-BA80-E4B62D7DB3F3}" destId="{CD6E4A4C-23C0-45B7-9443-F3AD1ADD7E33}" srcOrd="0" destOrd="0" presId="urn:microsoft.com/office/officeart/2005/8/layout/orgChart1"/>
+    <dgm:cxn modelId="{F193E930-9E97-4AE9-84CA-B5DDD4395845}" type="presOf" srcId="{1FBB86B6-D801-4779-B30B-1F294DC7CEED}" destId="{6569105F-8139-4505-A3BC-A2283C6275D4}" srcOrd="0" destOrd="0" presId="urn:microsoft.com/office/officeart/2005/8/layout/orgChart1"/>
+    <dgm:cxn modelId="{1250EF30-D236-418B-B3FD-AC12112404AC}" srcId="{990328BC-0AFA-4664-AD9D-12764C38A9A4}" destId="{1315195D-F25B-4206-BB45-7E09998DED72}" srcOrd="0" destOrd="0" parTransId="{1FBB86B6-D801-4779-B30B-1F294DC7CEED}" sibTransId="{725C914C-E103-4660-93F2-EEA204851215}"/>
+    <dgm:cxn modelId="{3998AB37-24F7-4EEC-9239-F21719EA13CC}" srcId="{9993C4FF-7142-4BEB-AFB7-E0B4E828BF31}" destId="{990328BC-0AFA-4664-AD9D-12764C38A9A4}" srcOrd="0" destOrd="0" parTransId="{28DDF070-C997-436A-8208-5C304BF72D54}" sibTransId="{7C1C0863-4BA0-4A6F-9A38-661A094992E2}"/>
+    <dgm:cxn modelId="{E1F26538-9425-46DE-924E-19F390B735C6}" type="presOf" srcId="{52103835-50B7-48F1-B4A9-4A578E23682C}" destId="{3D714AEC-B3D5-4B39-9BBE-FA11E454EAB7}" srcOrd="1" destOrd="0" presId="urn:microsoft.com/office/officeart/2005/8/layout/orgChart1"/>
     <dgm:cxn modelId="{6FC7E060-9C6B-4060-94F0-1CA96256B49B}" type="presOf" srcId="{CDFF414C-429C-400B-A53E-A06CBBD9DC75}" destId="{56D48DB4-62B4-4947-BD98-D9A3A5103CDF}" srcOrd="0" destOrd="0" presId="urn:microsoft.com/office/officeart/2005/8/layout/orgChart1"/>
-    <dgm:cxn modelId="{F5E22741-D7BA-4617-82A1-C6FFDFEEBFE8}" srcId="{5697626D-0CAE-4960-A7D6-10FD8A142981}" destId="{68BBDC16-D7C2-48A2-9DFB-9A045C18DD07}" srcOrd="5" destOrd="0" parTransId="{DC43C7F4-5542-43B3-A2E2-A1F68BB1ADEA}" sibTransId="{B4DB9D0A-BE53-4DBD-9411-8F6D53399010}"/>
-    <dgm:cxn modelId="{D2371B45-9E62-4D65-87C9-8FCDDB3F5868}" type="presOf" srcId="{E07DD7F9-45B2-414D-AE9C-A9E6B90AEB18}" destId="{78CB9228-7CF9-4F7A-9D73-DD164D2D8F6A}" srcOrd="0" destOrd="0" presId="urn:microsoft.com/office/officeart/2005/8/layout/orgChart1"/>
-    <dgm:cxn modelId="{85E11466-8636-4625-96DC-9FDCDCD8820D}" type="presOf" srcId="{0774A2F8-F74E-4EA1-BE67-BD6FB13ECF57}" destId="{0889DF0F-2E23-41BE-9A34-6D9DA6D14B09}" srcOrd="0" destOrd="0" presId="urn:microsoft.com/office/officeart/2005/8/layout/orgChart1"/>
-    <dgm:cxn modelId="{09E4256C-8DB5-42CE-B8A0-9B54902B09C2}" srcId="{CDFF414C-429C-400B-A53E-A06CBBD9DC75}" destId="{5697626D-0CAE-4960-A7D6-10FD8A142981}" srcOrd="0" destOrd="0" parTransId="{39FD5052-F118-48EF-973A-7A1E08945E73}" sibTransId="{8DF9C969-4CAC-414F-A597-68BD1A9079EB}"/>
-    <dgm:cxn modelId="{9D9B554D-44CC-46CA-A645-4274766765CD}" type="presOf" srcId="{D6DA8CE0-0549-497E-A301-B56A93ADEC15}" destId="{39B7AE51-99CE-451B-95E9-85A0014969C7}" srcOrd="0" destOrd="0" presId="urn:microsoft.com/office/officeart/2005/8/layout/orgChart1"/>
-    <dgm:cxn modelId="{DD9DB16F-8D00-4F3F-8A0C-1A5DA51A57D8}" type="presOf" srcId="{52103835-50B7-48F1-B4A9-4A578E23682C}" destId="{3D714AEC-B3D5-4B39-9BBE-FA11E454EAB7}" srcOrd="1" destOrd="0" presId="urn:microsoft.com/office/officeart/2005/8/layout/orgChart1"/>
-    <dgm:cxn modelId="{D1030952-552C-4BA5-B216-176A36796A40}" type="presOf" srcId="{5697626D-0CAE-4960-A7D6-10FD8A142981}" destId="{EBBD8710-6C96-4388-9AF2-092362E0B322}" srcOrd="0" destOrd="0" presId="urn:microsoft.com/office/officeart/2005/8/layout/orgChart1"/>
-    <dgm:cxn modelId="{AE09B752-8A7F-4553-A676-3EB130FBCFF0}" srcId="{5697626D-0CAE-4960-A7D6-10FD8A142981}" destId="{D6DA8CE0-0549-497E-A301-B56A93ADEC15}" srcOrd="3" destOrd="0" parTransId="{1F3497F4-E8E7-4C45-B89D-F952E5D687BC}" sibTransId="{FF52B8DE-BADB-4506-A6A9-E47041F2467C}"/>
-    <dgm:cxn modelId="{916BD578-B0D1-42BE-9C58-D80C39A01341}" type="presOf" srcId="{D6DA8CE0-0549-497E-A301-B56A93ADEC15}" destId="{B819F389-2A83-49B7-822A-8EAAD70BB276}" srcOrd="1" destOrd="0" presId="urn:microsoft.com/office/officeart/2005/8/layout/orgChart1"/>
-    <dgm:cxn modelId="{F4C68D8A-F65F-4A00-BEEF-E0281E257430}" type="presOf" srcId="{E070848B-3858-4BF9-813A-E01D8B7BCE74}" destId="{23729C1A-32B2-4CCC-872F-FBE3346D2FD7}" srcOrd="1" destOrd="0" presId="urn:microsoft.com/office/officeart/2005/8/layout/orgChart1"/>
-    <dgm:cxn modelId="{F37C978B-57B4-4D48-874C-3DF377E3F60C}" type="presOf" srcId="{D626365C-807B-4F03-A030-B87875FDD898}" destId="{CD399746-1C8A-4BA9-9ECE-A15F2E3980AC}" srcOrd="1" destOrd="0" presId="urn:microsoft.com/office/officeart/2005/8/layout/orgChart1"/>
-    <dgm:cxn modelId="{47A82691-066D-4CA6-9E90-0C413A2E82B3}" type="presOf" srcId="{43FD0814-036E-460F-BA80-E4B62D7DB3F3}" destId="{CD6E4A4C-23C0-45B7-9443-F3AD1ADD7E33}" srcOrd="0" destOrd="0" presId="urn:microsoft.com/office/officeart/2005/8/layout/orgChart1"/>
-    <dgm:cxn modelId="{0A102AA1-AE8F-4B4C-BB1A-8D1F4DA8EA81}" type="presOf" srcId="{466B831E-E542-44FB-93A8-92269AF40869}" destId="{A27F0A45-7F18-4EC7-B96E-31D8DE2B648C}" srcOrd="0" destOrd="0" presId="urn:microsoft.com/office/officeart/2005/8/layout/orgChart1"/>
-    <dgm:cxn modelId="{8395C4A8-18DF-4D01-9292-4A394D72BD54}" srcId="{5697626D-0CAE-4960-A7D6-10FD8A142981}" destId="{52103835-50B7-48F1-B4A9-4A578E23682C}" srcOrd="4" destOrd="0" parTransId="{E07DD7F9-45B2-414D-AE9C-A9E6B90AEB18}" sibTransId="{074B0C9B-0852-464A-8601-395AFDB3DED9}"/>
-    <dgm:cxn modelId="{AF7834BD-5F0B-4AEC-8E21-5091B9D5DF44}" type="presOf" srcId="{DC43C7F4-5542-43B3-A2E2-A1F68BB1ADEA}" destId="{B0F1C19D-23F5-4831-9C73-EB794D5D540C}" srcOrd="0" destOrd="0" presId="urn:microsoft.com/office/officeart/2005/8/layout/orgChart1"/>
-    <dgm:cxn modelId="{DFB81EC1-689A-44D5-9407-B79ED7692DEA}" type="presOf" srcId="{0471E3D1-F3E1-4FD3-A6AD-786CA92133BF}" destId="{D2887E5A-9FF8-419F-811D-A7F1A8211C08}" srcOrd="0" destOrd="0" presId="urn:microsoft.com/office/officeart/2005/8/layout/orgChart1"/>
-    <dgm:cxn modelId="{8AF047C3-A289-4487-B298-0FFD8DEE2868}" type="presOf" srcId="{52103835-50B7-48F1-B4A9-4A578E23682C}" destId="{859DB048-6B27-4E37-83DF-4269DECD04E1}" srcOrd="0" destOrd="0" presId="urn:microsoft.com/office/officeart/2005/8/layout/orgChart1"/>
-    <dgm:cxn modelId="{8AA7CFC4-269E-4B99-993C-8DDE65EB58D5}" type="presOf" srcId="{E070848B-3858-4BF9-813A-E01D8B7BCE74}" destId="{BAE3A09A-FCF7-4258-BA02-36755BF67B06}" srcOrd="0" destOrd="0" presId="urn:microsoft.com/office/officeart/2005/8/layout/orgChart1"/>
-    <dgm:cxn modelId="{B46557DF-D8DD-4D41-B779-55FBB850AB7B}" type="presOf" srcId="{68BBDC16-D7C2-48A2-9DFB-9A045C18DD07}" destId="{B27C57A6-5928-44A4-A790-4BF5598B63F3}" srcOrd="1" destOrd="0" presId="urn:microsoft.com/office/officeart/2005/8/layout/orgChart1"/>
+    <dgm:cxn modelId="{F5E22741-D7BA-4617-82A1-C6FFDFEEBFE8}" srcId="{5697626D-0CAE-4960-A7D6-10FD8A142981}" destId="{68BBDC16-D7C2-48A2-9DFB-9A045C18DD07}" srcOrd="3" destOrd="0" parTransId="{DC43C7F4-5542-43B3-A2E2-A1F68BB1ADEA}" sibTransId="{B4DB9D0A-BE53-4DBD-9411-8F6D53399010}"/>
+    <dgm:cxn modelId="{09E4256C-8DB5-42CE-B8A0-9B54902B09C2}" srcId="{990328BC-0AFA-4664-AD9D-12764C38A9A4}" destId="{5697626D-0CAE-4960-A7D6-10FD8A142981}" srcOrd="1" destOrd="0" parTransId="{39FD5052-F118-48EF-973A-7A1E08945E73}" sibTransId="{8DF9C969-4CAC-414F-A597-68BD1A9079EB}"/>
+    <dgm:cxn modelId="{4EF2D150-B8A4-4393-AA00-083D1B185681}" type="presOf" srcId="{990328BC-0AFA-4664-AD9D-12764C38A9A4}" destId="{D0F0245F-84CA-4056-8312-A12650F66130}" srcOrd="0" destOrd="0" presId="urn:microsoft.com/office/officeart/2005/8/layout/orgChart1"/>
+    <dgm:cxn modelId="{8F4C9571-A6E5-476E-A8AC-05FB6C76FF4C}" type="presOf" srcId="{E07DD7F9-45B2-414D-AE9C-A9E6B90AEB18}" destId="{78CB9228-7CF9-4F7A-9D73-DD164D2D8F6A}" srcOrd="0" destOrd="0" presId="urn:microsoft.com/office/officeart/2005/8/layout/orgChart1"/>
+    <dgm:cxn modelId="{AE09B752-8A7F-4553-A676-3EB130FBCFF0}" srcId="{5697626D-0CAE-4960-A7D6-10FD8A142981}" destId="{D6DA8CE0-0549-497E-A301-B56A93ADEC15}" srcOrd="1" destOrd="0" parTransId="{1F3497F4-E8E7-4C45-B89D-F952E5D687BC}" sibTransId="{FF52B8DE-BADB-4506-A6A9-E47041F2467C}"/>
+    <dgm:cxn modelId="{A0E2A877-ED64-4F2C-A7C7-37900C9B3144}" type="presOf" srcId="{68BBDC16-D7C2-48A2-9DFB-9A045C18DD07}" destId="{702B6CF6-DCE4-4FD7-B765-E87B71FB1846}" srcOrd="0" destOrd="0" presId="urn:microsoft.com/office/officeart/2005/8/layout/orgChart1"/>
+    <dgm:cxn modelId="{4DABF757-617F-4DE8-8FBD-5AD1E4C3FE13}" type="presOf" srcId="{1315195D-F25B-4206-BB45-7E09998DED72}" destId="{8FD909AE-5363-4622-BF12-F93C5AD28B4E}" srcOrd="0" destOrd="0" presId="urn:microsoft.com/office/officeart/2005/8/layout/orgChart1"/>
+    <dgm:cxn modelId="{85DEB678-8B79-4F3B-B490-0AE077DACCFB}" srcId="{CDFF414C-429C-400B-A53E-A06CBBD9DC75}" destId="{9993C4FF-7142-4BEB-AFB7-E0B4E828BF31}" srcOrd="0" destOrd="0" parTransId="{AB89FD6B-5C62-4300-9FC2-4EE74C66043D}" sibTransId="{F95559B5-A5F3-4B2F-B117-CCCC4A322F26}"/>
+    <dgm:cxn modelId="{92154D82-201A-463B-8420-B943CFB02E7D}" type="presOf" srcId="{28DDF070-C997-436A-8208-5C304BF72D54}" destId="{22B0B9C9-A169-43F7-B78A-C4E9769CCEDC}" srcOrd="0" destOrd="0" presId="urn:microsoft.com/office/officeart/2005/8/layout/orgChart1"/>
+    <dgm:cxn modelId="{2FE23B89-4A25-4DF0-926F-AAD0E2F5D2DB}" type="presOf" srcId="{39FD5052-F118-48EF-973A-7A1E08945E73}" destId="{EC151F7C-E17D-49A6-B394-2B455C77DFAB}" srcOrd="0" destOrd="0" presId="urn:microsoft.com/office/officeart/2005/8/layout/orgChart1"/>
+    <dgm:cxn modelId="{976E438E-936D-4E40-944F-0E5F4D30F5F8}" type="presOf" srcId="{1315195D-F25B-4206-BB45-7E09998DED72}" destId="{DC854D87-9A4B-45FA-9B99-A1F2F342A08F}" srcOrd="1" destOrd="0" presId="urn:microsoft.com/office/officeart/2005/8/layout/orgChart1"/>
+    <dgm:cxn modelId="{773E5696-B7F2-4D65-83C4-F844ACEBF4A0}" type="presOf" srcId="{E070848B-3858-4BF9-813A-E01D8B7BCE74}" destId="{23729C1A-32B2-4CCC-872F-FBE3346D2FD7}" srcOrd="1" destOrd="0" presId="urn:microsoft.com/office/officeart/2005/8/layout/orgChart1"/>
+    <dgm:cxn modelId="{7CE95498-7711-4A28-B04C-900A36EC69DC}" type="presOf" srcId="{1F3497F4-E8E7-4C45-B89D-F952E5D687BC}" destId="{F0B36700-C099-4D29-89FA-3FCA3F0496A3}" srcOrd="0" destOrd="0" presId="urn:microsoft.com/office/officeart/2005/8/layout/orgChart1"/>
+    <dgm:cxn modelId="{B0CA7C9F-4105-47BD-94C7-F8D511AFC82C}" type="presOf" srcId="{0774A2F8-F74E-4EA1-BE67-BD6FB13ECF57}" destId="{0889DF0F-2E23-41BE-9A34-6D9DA6D14B09}" srcOrd="0" destOrd="0" presId="urn:microsoft.com/office/officeart/2005/8/layout/orgChart1"/>
+    <dgm:cxn modelId="{453C7BA1-67FF-4EEC-8E81-337DF707B6D0}" type="presOf" srcId="{D6DA8CE0-0549-497E-A301-B56A93ADEC15}" destId="{B819F389-2A83-49B7-822A-8EAAD70BB276}" srcOrd="1" destOrd="0" presId="urn:microsoft.com/office/officeart/2005/8/layout/orgChart1"/>
+    <dgm:cxn modelId="{8395C4A8-18DF-4D01-9292-4A394D72BD54}" srcId="{5697626D-0CAE-4960-A7D6-10FD8A142981}" destId="{52103835-50B7-48F1-B4A9-4A578E23682C}" srcOrd="2" destOrd="0" parTransId="{E07DD7F9-45B2-414D-AE9C-A9E6B90AEB18}" sibTransId="{074B0C9B-0852-464A-8601-395AFDB3DED9}"/>
+    <dgm:cxn modelId="{83E418AD-C49C-49FA-A417-B6C526A626A3}" type="presOf" srcId="{5697626D-0CAE-4960-A7D6-10FD8A142981}" destId="{112BB241-2978-435E-A5BE-8E338738BA0A}" srcOrd="0" destOrd="0" presId="urn:microsoft.com/office/officeart/2005/8/layout/orgChart1"/>
+    <dgm:cxn modelId="{00E53DAE-8F10-4B0F-8424-B06D3EB9903D}" type="presOf" srcId="{9FEA1408-0096-4B99-B7DA-72AABC168548}" destId="{45DAC09D-0D10-4B49-A68A-9928AF4D0194}" srcOrd="0" destOrd="0" presId="urn:microsoft.com/office/officeart/2005/8/layout/orgChart1"/>
+    <dgm:cxn modelId="{F975CBD1-5AD8-4507-A75E-F84D6BBD8E54}" type="presOf" srcId="{990328BC-0AFA-4664-AD9D-12764C38A9A4}" destId="{6D1D0ECA-F872-4E0D-B82A-5306763AAA7E}" srcOrd="1" destOrd="0" presId="urn:microsoft.com/office/officeart/2005/8/layout/orgChart1"/>
+    <dgm:cxn modelId="{CA07DED7-E80D-481C-BE2F-2FA9887359E9}" type="presOf" srcId="{DC43C7F4-5542-43B3-A2E2-A1F68BB1ADEA}" destId="{B0F1C19D-23F5-4831-9C73-EB794D5D540C}" srcOrd="0" destOrd="0" presId="urn:microsoft.com/office/officeart/2005/8/layout/orgChart1"/>
+    <dgm:cxn modelId="{BD947EDE-95E0-43DE-9369-82CD60AC08FD}" type="presOf" srcId="{43FD0814-036E-460F-BA80-E4B62D7DB3F3}" destId="{BFFBA1FD-8061-4AAA-843F-2CE03190C688}" srcOrd="1" destOrd="0" presId="urn:microsoft.com/office/officeart/2005/8/layout/orgChart1"/>
+    <dgm:cxn modelId="{5D51DEDF-04FB-451F-AFC4-366F35EF71AA}" type="presOf" srcId="{D6DA8CE0-0549-497E-A301-B56A93ADEC15}" destId="{39B7AE51-99CE-451B-95E9-85A0014969C7}" srcOrd="0" destOrd="0" presId="urn:microsoft.com/office/officeart/2005/8/layout/orgChart1"/>
     <dgm:cxn modelId="{DBF0EEE4-EDC0-49D7-97A4-7CC82C391ED2}" srcId="{D6DA8CE0-0549-497E-A301-B56A93ADEC15}" destId="{43FD0814-036E-460F-BA80-E4B62D7DB3F3}" srcOrd="0" destOrd="0" parTransId="{9FEA1408-0096-4B99-B7DA-72AABC168548}" sibTransId="{33AED4CC-C5F9-4153-82C8-CB74A224AE3F}"/>
-    <dgm:cxn modelId="{A689AAF1-96C1-4329-827E-FD8B54BDAF43}" type="presOf" srcId="{68BBDC16-D7C2-48A2-9DFB-9A045C18DD07}" destId="{702B6CF6-DCE4-4FD7-B765-E87B71FB1846}" srcOrd="0" destOrd="0" presId="urn:microsoft.com/office/officeart/2005/8/layout/orgChart1"/>
-    <dgm:cxn modelId="{5C59D3F4-4B64-4919-B0C4-16D60839B877}" type="presOf" srcId="{1F3497F4-E8E7-4C45-B89D-F952E5D687BC}" destId="{F0B36700-C099-4D29-89FA-3FCA3F0496A3}" srcOrd="0" destOrd="0" presId="urn:microsoft.com/office/officeart/2005/8/layout/orgChart1"/>
-    <dgm:cxn modelId="{E29467FD-E3E2-46DA-8DF2-81D5CEC9E7D0}" srcId="{5697626D-0CAE-4960-A7D6-10FD8A142981}" destId="{E070848B-3858-4BF9-813A-E01D8B7BCE74}" srcOrd="2" destOrd="0" parTransId="{0774A2F8-F74E-4EA1-BE67-BD6FB13ECF57}" sibTransId="{17E689D7-CFCB-462E-9503-87EB4282F873}"/>
-    <dgm:cxn modelId="{0F28DE6A-95F2-4078-84E9-7DFA8F2A7F8F}" type="presParOf" srcId="{56D48DB4-62B4-4947-BD98-D9A3A5103CDF}" destId="{BD0CAF85-9360-4879-AA5B-5993DC16A183}" srcOrd="0" destOrd="0" presId="urn:microsoft.com/office/officeart/2005/8/layout/orgChart1"/>
-    <dgm:cxn modelId="{B7C26EBF-D0AE-4FD0-BE5C-11D85BAD18A9}" type="presParOf" srcId="{BD0CAF85-9360-4879-AA5B-5993DC16A183}" destId="{D93EECBA-DD00-479F-B05F-F1E44B79266B}" srcOrd="0" destOrd="0" presId="urn:microsoft.com/office/officeart/2005/8/layout/orgChart1"/>
-    <dgm:cxn modelId="{F1DAFB6E-59A7-45AA-ADFD-0FF218B45466}" type="presParOf" srcId="{D93EECBA-DD00-479F-B05F-F1E44B79266B}" destId="{EBBD8710-6C96-4388-9AF2-092362E0B322}" srcOrd="0" destOrd="0" presId="urn:microsoft.com/office/officeart/2005/8/layout/orgChart1"/>
-    <dgm:cxn modelId="{6513FCD7-217B-4145-9730-E4CF37C85BC8}" type="presParOf" srcId="{D93EECBA-DD00-479F-B05F-F1E44B79266B}" destId="{69841378-5141-4130-81EF-F7B4CF7F07DC}" srcOrd="1" destOrd="0" presId="urn:microsoft.com/office/officeart/2005/8/layout/orgChart1"/>
-    <dgm:cxn modelId="{82F1ADAE-B9F5-47FF-B6FA-8E80B1AEA34C}" type="presParOf" srcId="{BD0CAF85-9360-4879-AA5B-5993DC16A183}" destId="{EA7E48B8-EFC6-41FB-8878-215194F8CC1C}" srcOrd="1" destOrd="0" presId="urn:microsoft.com/office/officeart/2005/8/layout/orgChart1"/>
-    <dgm:cxn modelId="{833259E2-BDE5-4957-851D-E5785A71B4CD}" type="presParOf" srcId="{EA7E48B8-EFC6-41FB-8878-215194F8CC1C}" destId="{A27F0A45-7F18-4EC7-B96E-31D8DE2B648C}" srcOrd="0" destOrd="0" presId="urn:microsoft.com/office/officeart/2005/8/layout/orgChart1"/>
-    <dgm:cxn modelId="{B955176A-BA11-41B6-921E-997FD13B6D12}" type="presParOf" srcId="{EA7E48B8-EFC6-41FB-8878-215194F8CC1C}" destId="{ED27CF3D-D357-4474-9B7E-F12036C1DA34}" srcOrd="1" destOrd="0" presId="urn:microsoft.com/office/officeart/2005/8/layout/orgChart1"/>
-    <dgm:cxn modelId="{BBA3FD77-BDFB-4A8D-84A6-93195240F713}" type="presParOf" srcId="{ED27CF3D-D357-4474-9B7E-F12036C1DA34}" destId="{384E6EAB-4724-47BD-8E6E-5BAB204B4A94}" srcOrd="0" destOrd="0" presId="urn:microsoft.com/office/officeart/2005/8/layout/orgChart1"/>
-    <dgm:cxn modelId="{F0821355-0CDF-4473-BCB9-E458CF638BF5}" type="presParOf" srcId="{384E6EAB-4724-47BD-8E6E-5BAB204B4A94}" destId="{46CBDDF5-74C0-4C65-AE9C-A74686881943}" srcOrd="0" destOrd="0" presId="urn:microsoft.com/office/officeart/2005/8/layout/orgChart1"/>
-    <dgm:cxn modelId="{59905301-C483-4434-AE5D-B8AAB91DAA31}" type="presParOf" srcId="{384E6EAB-4724-47BD-8E6E-5BAB204B4A94}" destId="{CD399746-1C8A-4BA9-9ECE-A15F2E3980AC}" srcOrd="1" destOrd="0" presId="urn:microsoft.com/office/officeart/2005/8/layout/orgChart1"/>
-    <dgm:cxn modelId="{A9E6B45B-F16B-4015-A1E1-20B514C82425}" type="presParOf" srcId="{ED27CF3D-D357-4474-9B7E-F12036C1DA34}" destId="{24995500-DEB6-42E9-9EF4-970493230BFF}" srcOrd="1" destOrd="0" presId="urn:microsoft.com/office/officeart/2005/8/layout/orgChart1"/>
-    <dgm:cxn modelId="{93CBC6ED-E259-4919-848E-9BF56FBB6106}" type="presParOf" srcId="{ED27CF3D-D357-4474-9B7E-F12036C1DA34}" destId="{E6BE7A8C-05B4-459F-8579-16B1833445D7}" srcOrd="2" destOrd="0" presId="urn:microsoft.com/office/officeart/2005/8/layout/orgChart1"/>
-    <dgm:cxn modelId="{5B0B4DCA-23E4-4EAD-BA9A-44F39A29374D}" type="presParOf" srcId="{EA7E48B8-EFC6-41FB-8878-215194F8CC1C}" destId="{0889DF0F-2E23-41BE-9A34-6D9DA6D14B09}" srcOrd="2" destOrd="0" presId="urn:microsoft.com/office/officeart/2005/8/layout/orgChart1"/>
-    <dgm:cxn modelId="{48DB1D19-AEBF-4972-830C-9F5D385E8677}" type="presParOf" srcId="{EA7E48B8-EFC6-41FB-8878-215194F8CC1C}" destId="{04D24059-5448-44D2-883C-6FD015757069}" srcOrd="3" destOrd="0" presId="urn:microsoft.com/office/officeart/2005/8/layout/orgChart1"/>
-    <dgm:cxn modelId="{008BE911-121A-4FC6-B570-6FD31434B041}" type="presParOf" srcId="{04D24059-5448-44D2-883C-6FD015757069}" destId="{85166979-E860-41E2-8BBB-FD479C2042E9}" srcOrd="0" destOrd="0" presId="urn:microsoft.com/office/officeart/2005/8/layout/orgChart1"/>
-    <dgm:cxn modelId="{1548697B-72F8-4A14-AC8F-8D73CD7F9076}" type="presParOf" srcId="{85166979-E860-41E2-8BBB-FD479C2042E9}" destId="{BAE3A09A-FCF7-4258-BA02-36755BF67B06}" srcOrd="0" destOrd="0" presId="urn:microsoft.com/office/officeart/2005/8/layout/orgChart1"/>
-    <dgm:cxn modelId="{9D3E9EC9-9CE1-4AB2-B141-93E744EE7CB2}" type="presParOf" srcId="{85166979-E860-41E2-8BBB-FD479C2042E9}" destId="{23729C1A-32B2-4CCC-872F-FBE3346D2FD7}" srcOrd="1" destOrd="0" presId="urn:microsoft.com/office/officeart/2005/8/layout/orgChart1"/>
-    <dgm:cxn modelId="{5293D1A5-8087-4666-B46A-062BDD02F430}" type="presParOf" srcId="{04D24059-5448-44D2-883C-6FD015757069}" destId="{29EF9BF8-98F7-46B2-8AF1-819DA06B48F2}" srcOrd="1" destOrd="0" presId="urn:microsoft.com/office/officeart/2005/8/layout/orgChart1"/>
-    <dgm:cxn modelId="{AD044ADB-282D-4824-A030-90AAE8790CE3}" type="presParOf" srcId="{04D24059-5448-44D2-883C-6FD015757069}" destId="{5A4DA4C3-9933-4ADB-9BA4-F7ADC01C4BC1}" srcOrd="2" destOrd="0" presId="urn:microsoft.com/office/officeart/2005/8/layout/orgChart1"/>
-    <dgm:cxn modelId="{CC528DB7-179F-48BE-A745-7B2BA1AC32C5}" type="presParOf" srcId="{EA7E48B8-EFC6-41FB-8878-215194F8CC1C}" destId="{F0B36700-C099-4D29-89FA-3FCA3F0496A3}" srcOrd="4" destOrd="0" presId="urn:microsoft.com/office/officeart/2005/8/layout/orgChart1"/>
-    <dgm:cxn modelId="{72B739BE-CE2F-43C9-A02C-F8F75BB356F6}" type="presParOf" srcId="{EA7E48B8-EFC6-41FB-8878-215194F8CC1C}" destId="{CE5650D7-9DCA-4F39-91AB-5F61168EE570}" srcOrd="5" destOrd="0" presId="urn:microsoft.com/office/officeart/2005/8/layout/orgChart1"/>
-    <dgm:cxn modelId="{0A00ADA5-62E7-434F-B092-F08C5E144D59}" type="presParOf" srcId="{CE5650D7-9DCA-4F39-91AB-5F61168EE570}" destId="{B11B8D65-4078-4338-B692-5EB3A67F1DF9}" srcOrd="0" destOrd="0" presId="urn:microsoft.com/office/officeart/2005/8/layout/orgChart1"/>
-    <dgm:cxn modelId="{AC97463C-4918-473C-BCEA-604021716FC1}" type="presParOf" srcId="{B11B8D65-4078-4338-B692-5EB3A67F1DF9}" destId="{39B7AE51-99CE-451B-95E9-85A0014969C7}" srcOrd="0" destOrd="0" presId="urn:microsoft.com/office/officeart/2005/8/layout/orgChart1"/>
-    <dgm:cxn modelId="{912C6689-5676-4017-BB91-3E23543B9A3E}" type="presParOf" srcId="{B11B8D65-4078-4338-B692-5EB3A67F1DF9}" destId="{B819F389-2A83-49B7-822A-8EAAD70BB276}" srcOrd="1" destOrd="0" presId="urn:microsoft.com/office/officeart/2005/8/layout/orgChart1"/>
-    <dgm:cxn modelId="{C227F32A-845B-419F-9B5E-FB9F25531077}" type="presParOf" srcId="{CE5650D7-9DCA-4F39-91AB-5F61168EE570}" destId="{074A0FAC-0AD3-4D9C-A4F9-17662230B91B}" srcOrd="1" destOrd="0" presId="urn:microsoft.com/office/officeart/2005/8/layout/orgChart1"/>
-    <dgm:cxn modelId="{1950F0B1-8911-4129-9DCD-279EC9EF9064}" type="presParOf" srcId="{074A0FAC-0AD3-4D9C-A4F9-17662230B91B}" destId="{45DAC09D-0D10-4B49-A68A-9928AF4D0194}" srcOrd="0" destOrd="0" presId="urn:microsoft.com/office/officeart/2005/8/layout/orgChart1"/>
-    <dgm:cxn modelId="{2BB9FEFC-F74A-45D0-8229-88DEC057C7E1}" type="presParOf" srcId="{074A0FAC-0AD3-4D9C-A4F9-17662230B91B}" destId="{B981422B-AD93-4E14-B5FB-9A58131EDD91}" srcOrd="1" destOrd="0" presId="urn:microsoft.com/office/officeart/2005/8/layout/orgChart1"/>
-    <dgm:cxn modelId="{ADBB97D2-9763-4FC7-81D4-FD0B1D7B35B1}" type="presParOf" srcId="{B981422B-AD93-4E14-B5FB-9A58131EDD91}" destId="{200B8227-8858-4415-B8F0-99186FD93162}" srcOrd="0" destOrd="0" presId="urn:microsoft.com/office/officeart/2005/8/layout/orgChart1"/>
-    <dgm:cxn modelId="{1C272BC4-BD07-4C71-9982-F6489AB5CC5E}" type="presParOf" srcId="{200B8227-8858-4415-B8F0-99186FD93162}" destId="{CD6E4A4C-23C0-45B7-9443-F3AD1ADD7E33}" srcOrd="0" destOrd="0" presId="urn:microsoft.com/office/officeart/2005/8/layout/orgChart1"/>
-    <dgm:cxn modelId="{C2E4DD36-2927-46C0-80F4-C0EEDBBE60EC}" type="presParOf" srcId="{200B8227-8858-4415-B8F0-99186FD93162}" destId="{BFFBA1FD-8061-4AAA-843F-2CE03190C688}" srcOrd="1" destOrd="0" presId="urn:microsoft.com/office/officeart/2005/8/layout/orgChart1"/>
-    <dgm:cxn modelId="{308075F8-14DA-4E54-A99A-E0E30A4006E5}" type="presParOf" srcId="{B981422B-AD93-4E14-B5FB-9A58131EDD91}" destId="{4F74775A-1F2B-4052-9292-552266E30695}" srcOrd="1" destOrd="0" presId="urn:microsoft.com/office/officeart/2005/8/layout/orgChart1"/>
-    <dgm:cxn modelId="{ED0AF676-8D1F-4171-AEFB-F9E1764F4ED3}" type="presParOf" srcId="{B981422B-AD93-4E14-B5FB-9A58131EDD91}" destId="{CA4EC38B-EE84-4BF9-8927-CB05A0C18D7B}" srcOrd="2" destOrd="0" presId="urn:microsoft.com/office/officeart/2005/8/layout/orgChart1"/>
-    <dgm:cxn modelId="{C7855E1A-24EB-460D-83C4-D8F9D59E87A7}" type="presParOf" srcId="{CE5650D7-9DCA-4F39-91AB-5F61168EE570}" destId="{DA3B43C5-60FE-4EFB-892F-9C6215F9E5DC}" srcOrd="2" destOrd="0" presId="urn:microsoft.com/office/officeart/2005/8/layout/orgChart1"/>
-    <dgm:cxn modelId="{ECB29C07-F4D6-4F51-A242-9590DDA059EC}" type="presParOf" srcId="{EA7E48B8-EFC6-41FB-8878-215194F8CC1C}" destId="{78CB9228-7CF9-4F7A-9D73-DD164D2D8F6A}" srcOrd="6" destOrd="0" presId="urn:microsoft.com/office/officeart/2005/8/layout/orgChart1"/>
-    <dgm:cxn modelId="{88E58A5B-BC61-423A-857D-17EDD58F60F8}" type="presParOf" srcId="{EA7E48B8-EFC6-41FB-8878-215194F8CC1C}" destId="{438841AD-E287-4B00-8952-3E527A209727}" srcOrd="7" destOrd="0" presId="urn:microsoft.com/office/officeart/2005/8/layout/orgChart1"/>
-    <dgm:cxn modelId="{5134DA47-54EF-463B-96D0-61C6DCBCD5D8}" type="presParOf" srcId="{438841AD-E287-4B00-8952-3E527A209727}" destId="{B111A595-8D45-4CC8-BBA8-0A22CBE2B87B}" srcOrd="0" destOrd="0" presId="urn:microsoft.com/office/officeart/2005/8/layout/orgChart1"/>
-    <dgm:cxn modelId="{3FD0D9A9-A405-4848-A458-475B4077D6F9}" type="presParOf" srcId="{B111A595-8D45-4CC8-BBA8-0A22CBE2B87B}" destId="{859DB048-6B27-4E37-83DF-4269DECD04E1}" srcOrd="0" destOrd="0" presId="urn:microsoft.com/office/officeart/2005/8/layout/orgChart1"/>
-    <dgm:cxn modelId="{5420485B-D81B-462D-9889-BA9A6300DC2A}" type="presParOf" srcId="{B111A595-8D45-4CC8-BBA8-0A22CBE2B87B}" destId="{3D714AEC-B3D5-4B39-9BBE-FA11E454EAB7}" srcOrd="1" destOrd="0" presId="urn:microsoft.com/office/officeart/2005/8/layout/orgChart1"/>
-    <dgm:cxn modelId="{4903ED95-FBFE-4E0C-9D4F-C283A8546C0A}" type="presParOf" srcId="{438841AD-E287-4B00-8952-3E527A209727}" destId="{8E196CB8-650A-40C9-8C12-8202FBD79CF9}" srcOrd="1" destOrd="0" presId="urn:microsoft.com/office/officeart/2005/8/layout/orgChart1"/>
-    <dgm:cxn modelId="{F52CBE2D-0E25-42BC-9C7D-C24BF8670518}" type="presParOf" srcId="{438841AD-E287-4B00-8952-3E527A209727}" destId="{32C083AC-5BC9-42C7-95B2-F4FB56DB31EF}" srcOrd="2" destOrd="0" presId="urn:microsoft.com/office/officeart/2005/8/layout/orgChart1"/>
-    <dgm:cxn modelId="{161A2B4D-86B1-48F9-A7D8-4F62B8D3A00C}" type="presParOf" srcId="{EA7E48B8-EFC6-41FB-8878-215194F8CC1C}" destId="{B0F1C19D-23F5-4831-9C73-EB794D5D540C}" srcOrd="8" destOrd="0" presId="urn:microsoft.com/office/officeart/2005/8/layout/orgChart1"/>
-    <dgm:cxn modelId="{9304E107-D65A-43B8-89AB-9A392CD2B3DF}" type="presParOf" srcId="{EA7E48B8-EFC6-41FB-8878-215194F8CC1C}" destId="{8D87D007-5C44-41C1-9B6E-019AEB762944}" srcOrd="9" destOrd="0" presId="urn:microsoft.com/office/officeart/2005/8/layout/orgChart1"/>
-    <dgm:cxn modelId="{C1F06F7B-A7F7-4E9F-A85D-0B19345E13E7}" type="presParOf" srcId="{8D87D007-5C44-41C1-9B6E-019AEB762944}" destId="{251BFB4A-1128-4265-A3C1-DBBB1CF230AC}" srcOrd="0" destOrd="0" presId="urn:microsoft.com/office/officeart/2005/8/layout/orgChart1"/>
-    <dgm:cxn modelId="{9950928D-6B5D-4488-912F-372B0D0548B6}" type="presParOf" srcId="{251BFB4A-1128-4265-A3C1-DBBB1CF230AC}" destId="{702B6CF6-DCE4-4FD7-B765-E87B71FB1846}" srcOrd="0" destOrd="0" presId="urn:microsoft.com/office/officeart/2005/8/layout/orgChart1"/>
-    <dgm:cxn modelId="{E633AAEC-DAD5-43EA-8824-9BBD80BFE893}" type="presParOf" srcId="{251BFB4A-1128-4265-A3C1-DBBB1CF230AC}" destId="{B27C57A6-5928-44A4-A790-4BF5598B63F3}" srcOrd="1" destOrd="0" presId="urn:microsoft.com/office/officeart/2005/8/layout/orgChart1"/>
-    <dgm:cxn modelId="{38B18111-7710-47BD-B7BA-E1653FBC33F5}" type="presParOf" srcId="{8D87D007-5C44-41C1-9B6E-019AEB762944}" destId="{36B6D653-B6F2-4940-9B6D-B52F019139ED}" srcOrd="1" destOrd="0" presId="urn:microsoft.com/office/officeart/2005/8/layout/orgChart1"/>
-    <dgm:cxn modelId="{0915DA15-C3F6-4DCA-9727-A4851BF73D62}" type="presParOf" srcId="{8D87D007-5C44-41C1-9B6E-019AEB762944}" destId="{F09B75FB-DF54-47FF-A85C-EB106EAE7636}" srcOrd="2" destOrd="0" presId="urn:microsoft.com/office/officeart/2005/8/layout/orgChart1"/>
-    <dgm:cxn modelId="{BB4A031E-0942-489C-9DEE-68E1D4422C53}" type="presParOf" srcId="{BD0CAF85-9360-4879-AA5B-5993DC16A183}" destId="{4A545356-EAA0-4D1E-9512-7903D5A82038}" srcOrd="2" destOrd="0" presId="urn:microsoft.com/office/officeart/2005/8/layout/orgChart1"/>
-    <dgm:cxn modelId="{E3CBAEDC-2DF5-4DCD-B336-C5A761D8B41F}" type="presParOf" srcId="{4A545356-EAA0-4D1E-9512-7903D5A82038}" destId="{066E2552-DB68-47DB-978A-E3BDC4481742}" srcOrd="0" destOrd="0" presId="urn:microsoft.com/office/officeart/2005/8/layout/orgChart1"/>
-    <dgm:cxn modelId="{F9561D80-644A-4BD1-A5CC-5D05F1227922}" type="presParOf" srcId="{4A545356-EAA0-4D1E-9512-7903D5A82038}" destId="{E4434C5F-54DC-406A-99A2-554BE61AB013}" srcOrd="1" destOrd="0" presId="urn:microsoft.com/office/officeart/2005/8/layout/orgChart1"/>
-    <dgm:cxn modelId="{9CE66044-3BFD-4386-81FC-4C4CF800DE38}" type="presParOf" srcId="{E4434C5F-54DC-406A-99A2-554BE61AB013}" destId="{FDCB80C1-7B8C-49D0-8777-753B1F5F306F}" srcOrd="0" destOrd="0" presId="urn:microsoft.com/office/officeart/2005/8/layout/orgChart1"/>
-    <dgm:cxn modelId="{390FDB5B-25F8-4D4D-85C9-181BFE79827F}" type="presParOf" srcId="{FDCB80C1-7B8C-49D0-8777-753B1F5F306F}" destId="{D2887E5A-9FF8-419F-811D-A7F1A8211C08}" srcOrd="0" destOrd="0" presId="urn:microsoft.com/office/officeart/2005/8/layout/orgChart1"/>
-    <dgm:cxn modelId="{AEE05F6A-14FB-4995-BEDE-AC1878EDB229}" type="presParOf" srcId="{FDCB80C1-7B8C-49D0-8777-753B1F5F306F}" destId="{77E3BBDB-DF9A-48A2-AB92-99E47E2E7092}" srcOrd="1" destOrd="0" presId="urn:microsoft.com/office/officeart/2005/8/layout/orgChart1"/>
-    <dgm:cxn modelId="{93DD8B97-7304-4FD5-BA1E-36ABA99328EA}" type="presParOf" srcId="{E4434C5F-54DC-406A-99A2-554BE61AB013}" destId="{8A9569BA-C19A-492A-BED9-A1841BF65C6A}" srcOrd="1" destOrd="0" presId="urn:microsoft.com/office/officeart/2005/8/layout/orgChart1"/>
-    <dgm:cxn modelId="{F31BC3BD-9059-42CF-B2D9-C25168B3A445}" type="presParOf" srcId="{E4434C5F-54DC-406A-99A2-554BE61AB013}" destId="{F05B09E9-A312-4558-A9F1-050D8D577B6C}" srcOrd="2" destOrd="0" presId="urn:microsoft.com/office/officeart/2005/8/layout/orgChart1"/>
+    <dgm:cxn modelId="{2CA799E5-4188-4886-9C87-2F0E1D8C1AA9}" type="presOf" srcId="{9993C4FF-7142-4BEB-AFB7-E0B4E828BF31}" destId="{8D0279A7-3574-4D45-BE01-5DD3045E59D8}" srcOrd="0" destOrd="0" presId="urn:microsoft.com/office/officeart/2005/8/layout/orgChart1"/>
+    <dgm:cxn modelId="{C43CF6F5-84B6-460E-AB36-FDC2F77DF86E}" type="presOf" srcId="{5697626D-0CAE-4960-A7D6-10FD8A142981}" destId="{9CC2B0F2-13EA-4851-A662-70744387A433}" srcOrd="1" destOrd="0" presId="urn:microsoft.com/office/officeart/2005/8/layout/orgChart1"/>
+    <dgm:cxn modelId="{A3FE6EFA-8AF4-4A45-B189-8B8D8FD2AE60}" type="presOf" srcId="{9993C4FF-7142-4BEB-AFB7-E0B4E828BF31}" destId="{0332C766-23F2-4386-BD5C-BCDCC1FDFFEC}" srcOrd="1" destOrd="0" presId="urn:microsoft.com/office/officeart/2005/8/layout/orgChart1"/>
+    <dgm:cxn modelId="{E29467FD-E3E2-46DA-8DF2-81D5CEC9E7D0}" srcId="{5697626D-0CAE-4960-A7D6-10FD8A142981}" destId="{E070848B-3858-4BF9-813A-E01D8B7BCE74}" srcOrd="0" destOrd="0" parTransId="{0774A2F8-F74E-4EA1-BE67-BD6FB13ECF57}" sibTransId="{17E689D7-CFCB-462E-9503-87EB4282F873}"/>
+    <dgm:cxn modelId="{3D002462-9535-41B2-A91C-06016EC3BF75}" type="presParOf" srcId="{56D48DB4-62B4-4947-BD98-D9A3A5103CDF}" destId="{0C35C036-EBA5-423E-86DE-4BBE19CF9924}" srcOrd="0" destOrd="0" presId="urn:microsoft.com/office/officeart/2005/8/layout/orgChart1"/>
+    <dgm:cxn modelId="{98BDE119-83D7-4B07-A034-8AA70AEEF257}" type="presParOf" srcId="{0C35C036-EBA5-423E-86DE-4BBE19CF9924}" destId="{93C0FF41-64B7-465A-BD6A-71C710331964}" srcOrd="0" destOrd="0" presId="urn:microsoft.com/office/officeart/2005/8/layout/orgChart1"/>
+    <dgm:cxn modelId="{6D3E3520-A273-4D85-9E43-DEAA322171E8}" type="presParOf" srcId="{93C0FF41-64B7-465A-BD6A-71C710331964}" destId="{8D0279A7-3574-4D45-BE01-5DD3045E59D8}" srcOrd="0" destOrd="0" presId="urn:microsoft.com/office/officeart/2005/8/layout/orgChart1"/>
+    <dgm:cxn modelId="{34B5F54D-1CDC-4E4C-9855-2CCCF5C6EDDA}" type="presParOf" srcId="{93C0FF41-64B7-465A-BD6A-71C710331964}" destId="{0332C766-23F2-4386-BD5C-BCDCC1FDFFEC}" srcOrd="1" destOrd="0" presId="urn:microsoft.com/office/officeart/2005/8/layout/orgChart1"/>
+    <dgm:cxn modelId="{FE7A89BE-BF0E-49DE-904F-07B5A64D1694}" type="presParOf" srcId="{0C35C036-EBA5-423E-86DE-4BBE19CF9924}" destId="{98B4820C-67B6-4176-9958-EA1E747E4332}" srcOrd="1" destOrd="0" presId="urn:microsoft.com/office/officeart/2005/8/layout/orgChart1"/>
+    <dgm:cxn modelId="{3177F17E-62E3-4206-9D99-96A9332B7925}" type="presParOf" srcId="{98B4820C-67B6-4176-9958-EA1E747E4332}" destId="{22B0B9C9-A169-43F7-B78A-C4E9769CCEDC}" srcOrd="0" destOrd="0" presId="urn:microsoft.com/office/officeart/2005/8/layout/orgChart1"/>
+    <dgm:cxn modelId="{E7E27C81-9580-40C5-B790-D429E1F88238}" type="presParOf" srcId="{98B4820C-67B6-4176-9958-EA1E747E4332}" destId="{030BEB53-66DA-47F2-937F-C7B625B2CAD2}" srcOrd="1" destOrd="0" presId="urn:microsoft.com/office/officeart/2005/8/layout/orgChart1"/>
+    <dgm:cxn modelId="{BFA3E38E-830F-4D00-9ED1-487701A035E6}" type="presParOf" srcId="{030BEB53-66DA-47F2-937F-C7B625B2CAD2}" destId="{713BF96B-43F7-407B-861A-B16FCDD73256}" srcOrd="0" destOrd="0" presId="urn:microsoft.com/office/officeart/2005/8/layout/orgChart1"/>
+    <dgm:cxn modelId="{8CB29F39-E279-48F2-AD5A-3DB91DBF009F}" type="presParOf" srcId="{713BF96B-43F7-407B-861A-B16FCDD73256}" destId="{D0F0245F-84CA-4056-8312-A12650F66130}" srcOrd="0" destOrd="0" presId="urn:microsoft.com/office/officeart/2005/8/layout/orgChart1"/>
+    <dgm:cxn modelId="{7004CE64-2501-4F9A-A2A6-2D062954539E}" type="presParOf" srcId="{713BF96B-43F7-407B-861A-B16FCDD73256}" destId="{6D1D0ECA-F872-4E0D-B82A-5306763AAA7E}" srcOrd="1" destOrd="0" presId="urn:microsoft.com/office/officeart/2005/8/layout/orgChart1"/>
+    <dgm:cxn modelId="{DB1DD640-AB48-45FD-A6AF-7D3D173641CC}" type="presParOf" srcId="{030BEB53-66DA-47F2-937F-C7B625B2CAD2}" destId="{E2611102-6CA0-4FF7-96D8-9A4C0AA5ABB5}" srcOrd="1" destOrd="0" presId="urn:microsoft.com/office/officeart/2005/8/layout/orgChart1"/>
+    <dgm:cxn modelId="{4CCBB4E0-A09E-4FD8-AFCB-D5B8A8230B70}" type="presParOf" srcId="{E2611102-6CA0-4FF7-96D8-9A4C0AA5ABB5}" destId="{6569105F-8139-4505-A3BC-A2283C6275D4}" srcOrd="0" destOrd="0" presId="urn:microsoft.com/office/officeart/2005/8/layout/orgChart1"/>
+    <dgm:cxn modelId="{BC7A5509-6FC3-484C-8411-F65C2CF12EC1}" type="presParOf" srcId="{E2611102-6CA0-4FF7-96D8-9A4C0AA5ABB5}" destId="{25C8E1AE-E66C-41F0-94A7-DBBC70166B43}" srcOrd="1" destOrd="0" presId="urn:microsoft.com/office/officeart/2005/8/layout/orgChart1"/>
+    <dgm:cxn modelId="{21C56824-7D45-44D1-8F67-2BA623B3A8A6}" type="presParOf" srcId="{25C8E1AE-E66C-41F0-94A7-DBBC70166B43}" destId="{317CDCBD-A0EE-48F1-955C-3008F29CC946}" srcOrd="0" destOrd="0" presId="urn:microsoft.com/office/officeart/2005/8/layout/orgChart1"/>
+    <dgm:cxn modelId="{59E3ACA7-9331-4495-8FCB-03359502DABD}" type="presParOf" srcId="{317CDCBD-A0EE-48F1-955C-3008F29CC946}" destId="{8FD909AE-5363-4622-BF12-F93C5AD28B4E}" srcOrd="0" destOrd="0" presId="urn:microsoft.com/office/officeart/2005/8/layout/orgChart1"/>
+    <dgm:cxn modelId="{3C7B08F6-61C8-4ECD-BA19-A1165E67B4E2}" type="presParOf" srcId="{317CDCBD-A0EE-48F1-955C-3008F29CC946}" destId="{DC854D87-9A4B-45FA-9B99-A1F2F342A08F}" srcOrd="1" destOrd="0" presId="urn:microsoft.com/office/officeart/2005/8/layout/orgChart1"/>
+    <dgm:cxn modelId="{66869592-B8BC-4F42-A43B-6CFBEF90BD23}" type="presParOf" srcId="{25C8E1AE-E66C-41F0-94A7-DBBC70166B43}" destId="{E33EE08F-7418-48EB-A184-DE5AFB9AFA64}" srcOrd="1" destOrd="0" presId="urn:microsoft.com/office/officeart/2005/8/layout/orgChart1"/>
+    <dgm:cxn modelId="{990FECD8-3D17-4292-8FD4-F037B5C6CDAE}" type="presParOf" srcId="{25C8E1AE-E66C-41F0-94A7-DBBC70166B43}" destId="{4EFA0BB2-7086-4886-82CB-FFECB9632559}" srcOrd="2" destOrd="0" presId="urn:microsoft.com/office/officeart/2005/8/layout/orgChart1"/>
+    <dgm:cxn modelId="{4140EBD1-0193-4E45-A362-432773D7AEB4}" type="presParOf" srcId="{E2611102-6CA0-4FF7-96D8-9A4C0AA5ABB5}" destId="{EC151F7C-E17D-49A6-B394-2B455C77DFAB}" srcOrd="2" destOrd="0" presId="urn:microsoft.com/office/officeart/2005/8/layout/orgChart1"/>
+    <dgm:cxn modelId="{A8AD37B8-5E2B-420D-B683-420512749173}" type="presParOf" srcId="{E2611102-6CA0-4FF7-96D8-9A4C0AA5ABB5}" destId="{FF7EA850-B812-4B0B-BF77-F700763688B6}" srcOrd="3" destOrd="0" presId="urn:microsoft.com/office/officeart/2005/8/layout/orgChart1"/>
+    <dgm:cxn modelId="{785AE3A2-AD5B-4FC1-BD43-8DBAF54DFFA6}" type="presParOf" srcId="{FF7EA850-B812-4B0B-BF77-F700763688B6}" destId="{BC147005-CB01-41A1-93BE-6D169187CEF3}" srcOrd="0" destOrd="0" presId="urn:microsoft.com/office/officeart/2005/8/layout/orgChart1"/>
+    <dgm:cxn modelId="{2B678AD2-17D4-4A8A-AC82-61F65DFB430F}" type="presParOf" srcId="{BC147005-CB01-41A1-93BE-6D169187CEF3}" destId="{112BB241-2978-435E-A5BE-8E338738BA0A}" srcOrd="0" destOrd="0" presId="urn:microsoft.com/office/officeart/2005/8/layout/orgChart1"/>
+    <dgm:cxn modelId="{6170369D-385D-491E-B941-F6AAFE50D8F9}" type="presParOf" srcId="{BC147005-CB01-41A1-93BE-6D169187CEF3}" destId="{9CC2B0F2-13EA-4851-A662-70744387A433}" srcOrd="1" destOrd="0" presId="urn:microsoft.com/office/officeart/2005/8/layout/orgChart1"/>
+    <dgm:cxn modelId="{C885BC04-10CE-43E0-A80A-F71E21F7B135}" type="presParOf" srcId="{FF7EA850-B812-4B0B-BF77-F700763688B6}" destId="{BF9126CB-6316-4FB5-9099-FD6EB783B6F0}" srcOrd="1" destOrd="0" presId="urn:microsoft.com/office/officeart/2005/8/layout/orgChart1"/>
+    <dgm:cxn modelId="{6D99BB0B-7741-4121-87EE-DF5F9871D87A}" type="presParOf" srcId="{BF9126CB-6316-4FB5-9099-FD6EB783B6F0}" destId="{0889DF0F-2E23-41BE-9A34-6D9DA6D14B09}" srcOrd="0" destOrd="0" presId="urn:microsoft.com/office/officeart/2005/8/layout/orgChart1"/>
+    <dgm:cxn modelId="{A98D8491-3DAF-4AA2-8B55-A75453D9D6ED}" type="presParOf" srcId="{BF9126CB-6316-4FB5-9099-FD6EB783B6F0}" destId="{04D24059-5448-44D2-883C-6FD015757069}" srcOrd="1" destOrd="0" presId="urn:microsoft.com/office/officeart/2005/8/layout/orgChart1"/>
+    <dgm:cxn modelId="{72FDBB3A-D7F3-45E9-8368-7EC9B1DE1426}" type="presParOf" srcId="{04D24059-5448-44D2-883C-6FD015757069}" destId="{85166979-E860-41E2-8BBB-FD479C2042E9}" srcOrd="0" destOrd="0" presId="urn:microsoft.com/office/officeart/2005/8/layout/orgChart1"/>
+    <dgm:cxn modelId="{ACFCFA1E-BB9B-4D48-B819-1D11B64BA0F8}" type="presParOf" srcId="{85166979-E860-41E2-8BBB-FD479C2042E9}" destId="{BAE3A09A-FCF7-4258-BA02-36755BF67B06}" srcOrd="0" destOrd="0" presId="urn:microsoft.com/office/officeart/2005/8/layout/orgChart1"/>
+    <dgm:cxn modelId="{47E633B1-6411-47D8-A6A9-5AEF6D30587B}" type="presParOf" srcId="{85166979-E860-41E2-8BBB-FD479C2042E9}" destId="{23729C1A-32B2-4CCC-872F-FBE3346D2FD7}" srcOrd="1" destOrd="0" presId="urn:microsoft.com/office/officeart/2005/8/layout/orgChart1"/>
+    <dgm:cxn modelId="{F20F2E69-1FA5-4D8C-9C8A-D536AF12B85A}" type="presParOf" srcId="{04D24059-5448-44D2-883C-6FD015757069}" destId="{29EF9BF8-98F7-46B2-8AF1-819DA06B48F2}" srcOrd="1" destOrd="0" presId="urn:microsoft.com/office/officeart/2005/8/layout/orgChart1"/>
+    <dgm:cxn modelId="{0F7564E4-E1D1-459F-B940-25B32E9F4D12}" type="presParOf" srcId="{04D24059-5448-44D2-883C-6FD015757069}" destId="{5A4DA4C3-9933-4ADB-9BA4-F7ADC01C4BC1}" srcOrd="2" destOrd="0" presId="urn:microsoft.com/office/officeart/2005/8/layout/orgChart1"/>
+    <dgm:cxn modelId="{43EB14A9-A3CE-4523-A0B1-D7EF3B6FEFAE}" type="presParOf" srcId="{BF9126CB-6316-4FB5-9099-FD6EB783B6F0}" destId="{F0B36700-C099-4D29-89FA-3FCA3F0496A3}" srcOrd="2" destOrd="0" presId="urn:microsoft.com/office/officeart/2005/8/layout/orgChart1"/>
+    <dgm:cxn modelId="{644BF119-0F17-40DC-AD81-3BF074D33B2E}" type="presParOf" srcId="{BF9126CB-6316-4FB5-9099-FD6EB783B6F0}" destId="{CE5650D7-9DCA-4F39-91AB-5F61168EE570}" srcOrd="3" destOrd="0" presId="urn:microsoft.com/office/officeart/2005/8/layout/orgChart1"/>
+    <dgm:cxn modelId="{95DBF880-BE2E-4A63-97DD-F1D3891566F8}" type="presParOf" srcId="{CE5650D7-9DCA-4F39-91AB-5F61168EE570}" destId="{B11B8D65-4078-4338-B692-5EB3A67F1DF9}" srcOrd="0" destOrd="0" presId="urn:microsoft.com/office/officeart/2005/8/layout/orgChart1"/>
+    <dgm:cxn modelId="{05256DAA-8C2C-4024-BE93-682C2952531E}" type="presParOf" srcId="{B11B8D65-4078-4338-B692-5EB3A67F1DF9}" destId="{39B7AE51-99CE-451B-95E9-85A0014969C7}" srcOrd="0" destOrd="0" presId="urn:microsoft.com/office/officeart/2005/8/layout/orgChart1"/>
+    <dgm:cxn modelId="{EB1A5C58-5D1F-4956-9AC7-1E8661A9354F}" type="presParOf" srcId="{B11B8D65-4078-4338-B692-5EB3A67F1DF9}" destId="{B819F389-2A83-49B7-822A-8EAAD70BB276}" srcOrd="1" destOrd="0" presId="urn:microsoft.com/office/officeart/2005/8/layout/orgChart1"/>
+    <dgm:cxn modelId="{F2D5511E-197E-4F28-81B3-BA5E5C86F69B}" type="presParOf" srcId="{CE5650D7-9DCA-4F39-91AB-5F61168EE570}" destId="{074A0FAC-0AD3-4D9C-A4F9-17662230B91B}" srcOrd="1" destOrd="0" presId="urn:microsoft.com/office/officeart/2005/8/layout/orgChart1"/>
+    <dgm:cxn modelId="{ECA50BA8-5953-4751-A26A-3514435418BE}" type="presParOf" srcId="{074A0FAC-0AD3-4D9C-A4F9-17662230B91B}" destId="{45DAC09D-0D10-4B49-A68A-9928AF4D0194}" srcOrd="0" destOrd="0" presId="urn:microsoft.com/office/officeart/2005/8/layout/orgChart1"/>
+    <dgm:cxn modelId="{E2651B29-E2DE-4D88-AACB-C7617C3E0F8D}" type="presParOf" srcId="{074A0FAC-0AD3-4D9C-A4F9-17662230B91B}" destId="{B981422B-AD93-4E14-B5FB-9A58131EDD91}" srcOrd="1" destOrd="0" presId="urn:microsoft.com/office/officeart/2005/8/layout/orgChart1"/>
+    <dgm:cxn modelId="{C28784BC-E5F5-4592-A435-210702D214DA}" type="presParOf" srcId="{B981422B-AD93-4E14-B5FB-9A58131EDD91}" destId="{200B8227-8858-4415-B8F0-99186FD93162}" srcOrd="0" destOrd="0" presId="urn:microsoft.com/office/officeart/2005/8/layout/orgChart1"/>
+    <dgm:cxn modelId="{42AD90DD-1BC0-4E0D-8556-8D999CB2973B}" type="presParOf" srcId="{200B8227-8858-4415-B8F0-99186FD93162}" destId="{CD6E4A4C-23C0-45B7-9443-F3AD1ADD7E33}" srcOrd="0" destOrd="0" presId="urn:microsoft.com/office/officeart/2005/8/layout/orgChart1"/>
+    <dgm:cxn modelId="{FA7C7401-6648-44F7-8A4E-426352E5499D}" type="presParOf" srcId="{200B8227-8858-4415-B8F0-99186FD93162}" destId="{BFFBA1FD-8061-4AAA-843F-2CE03190C688}" srcOrd="1" destOrd="0" presId="urn:microsoft.com/office/officeart/2005/8/layout/orgChart1"/>
+    <dgm:cxn modelId="{65E002BA-41CE-474B-861D-991D67CFFC23}" type="presParOf" srcId="{B981422B-AD93-4E14-B5FB-9A58131EDD91}" destId="{4F74775A-1F2B-4052-9292-552266E30695}" srcOrd="1" destOrd="0" presId="urn:microsoft.com/office/officeart/2005/8/layout/orgChart1"/>
+    <dgm:cxn modelId="{7546F40C-5B85-459F-BF28-6459BCA48FB3}" type="presParOf" srcId="{B981422B-AD93-4E14-B5FB-9A58131EDD91}" destId="{CA4EC38B-EE84-4BF9-8927-CB05A0C18D7B}" srcOrd="2" destOrd="0" presId="urn:microsoft.com/office/officeart/2005/8/layout/orgChart1"/>
+    <dgm:cxn modelId="{A2F7FB65-7048-43F6-81B2-25B8CCC82C36}" type="presParOf" srcId="{CE5650D7-9DCA-4F39-91AB-5F61168EE570}" destId="{DA3B43C5-60FE-4EFB-892F-9C6215F9E5DC}" srcOrd="2" destOrd="0" presId="urn:microsoft.com/office/officeart/2005/8/layout/orgChart1"/>
+    <dgm:cxn modelId="{041A744B-08C0-4F27-B1FC-AC92AF6EC9A4}" type="presParOf" srcId="{BF9126CB-6316-4FB5-9099-FD6EB783B6F0}" destId="{78CB9228-7CF9-4F7A-9D73-DD164D2D8F6A}" srcOrd="4" destOrd="0" presId="urn:microsoft.com/office/officeart/2005/8/layout/orgChart1"/>
+    <dgm:cxn modelId="{70E9518B-C88A-4B0E-85AF-3466C8821151}" type="presParOf" srcId="{BF9126CB-6316-4FB5-9099-FD6EB783B6F0}" destId="{438841AD-E287-4B00-8952-3E527A209727}" srcOrd="5" destOrd="0" presId="urn:microsoft.com/office/officeart/2005/8/layout/orgChart1"/>
+    <dgm:cxn modelId="{B86819D6-25F2-4CC5-8772-5E88238ACC3E}" type="presParOf" srcId="{438841AD-E287-4B00-8952-3E527A209727}" destId="{B111A595-8D45-4CC8-BBA8-0A22CBE2B87B}" srcOrd="0" destOrd="0" presId="urn:microsoft.com/office/officeart/2005/8/layout/orgChart1"/>
+    <dgm:cxn modelId="{1B231A0C-D69B-4282-AA94-BEB9DC282835}" type="presParOf" srcId="{B111A595-8D45-4CC8-BBA8-0A22CBE2B87B}" destId="{859DB048-6B27-4E37-83DF-4269DECD04E1}" srcOrd="0" destOrd="0" presId="urn:microsoft.com/office/officeart/2005/8/layout/orgChart1"/>
+    <dgm:cxn modelId="{D61D37C5-696B-460D-806B-22834423D6D6}" type="presParOf" srcId="{B111A595-8D45-4CC8-BBA8-0A22CBE2B87B}" destId="{3D714AEC-B3D5-4B39-9BBE-FA11E454EAB7}" srcOrd="1" destOrd="0" presId="urn:microsoft.com/office/officeart/2005/8/layout/orgChart1"/>
+    <dgm:cxn modelId="{4FDDC3DC-0541-4136-8238-ED1BA12D53AB}" type="presParOf" srcId="{438841AD-E287-4B00-8952-3E527A209727}" destId="{8E196CB8-650A-40C9-8C12-8202FBD79CF9}" srcOrd="1" destOrd="0" presId="urn:microsoft.com/office/officeart/2005/8/layout/orgChart1"/>
+    <dgm:cxn modelId="{CDDEAD78-232B-48E7-8365-33D88FB2C956}" type="presParOf" srcId="{438841AD-E287-4B00-8952-3E527A209727}" destId="{32C083AC-5BC9-42C7-95B2-F4FB56DB31EF}" srcOrd="2" destOrd="0" presId="urn:microsoft.com/office/officeart/2005/8/layout/orgChart1"/>
+    <dgm:cxn modelId="{6D095901-506C-483C-AEF2-6860928412AC}" type="presParOf" srcId="{BF9126CB-6316-4FB5-9099-FD6EB783B6F0}" destId="{B0F1C19D-23F5-4831-9C73-EB794D5D540C}" srcOrd="6" destOrd="0" presId="urn:microsoft.com/office/officeart/2005/8/layout/orgChart1"/>
+    <dgm:cxn modelId="{70428CBD-513C-499E-8202-8D2FF9DDF2A5}" type="presParOf" srcId="{BF9126CB-6316-4FB5-9099-FD6EB783B6F0}" destId="{8D87D007-5C44-41C1-9B6E-019AEB762944}" srcOrd="7" destOrd="0" presId="urn:microsoft.com/office/officeart/2005/8/layout/orgChart1"/>
+    <dgm:cxn modelId="{2E8B89A8-FAAB-4776-9841-34C3455F726E}" type="presParOf" srcId="{8D87D007-5C44-41C1-9B6E-019AEB762944}" destId="{251BFB4A-1128-4265-A3C1-DBBB1CF230AC}" srcOrd="0" destOrd="0" presId="urn:microsoft.com/office/officeart/2005/8/layout/orgChart1"/>
+    <dgm:cxn modelId="{5497DB20-7456-4002-A926-579D74F0B3EE}" type="presParOf" srcId="{251BFB4A-1128-4265-A3C1-DBBB1CF230AC}" destId="{702B6CF6-DCE4-4FD7-B765-E87B71FB1846}" srcOrd="0" destOrd="0" presId="urn:microsoft.com/office/officeart/2005/8/layout/orgChart1"/>
+    <dgm:cxn modelId="{B39DBA07-BD94-4AFC-95BE-51B5E6102C34}" type="presParOf" srcId="{251BFB4A-1128-4265-A3C1-DBBB1CF230AC}" destId="{B27C57A6-5928-44A4-A790-4BF5598B63F3}" srcOrd="1" destOrd="0" presId="urn:microsoft.com/office/officeart/2005/8/layout/orgChart1"/>
+    <dgm:cxn modelId="{58024A6E-8D06-4875-BD47-33E1632F58FE}" type="presParOf" srcId="{8D87D007-5C44-41C1-9B6E-019AEB762944}" destId="{36B6D653-B6F2-4940-9B6D-B52F019139ED}" srcOrd="1" destOrd="0" presId="urn:microsoft.com/office/officeart/2005/8/layout/orgChart1"/>
+    <dgm:cxn modelId="{AAF0BF8F-70C1-44C4-99E9-31699CEFD216}" type="presParOf" srcId="{8D87D007-5C44-41C1-9B6E-019AEB762944}" destId="{F09B75FB-DF54-47FF-A85C-EB106EAE7636}" srcOrd="2" destOrd="0" presId="urn:microsoft.com/office/officeart/2005/8/layout/orgChart1"/>
+    <dgm:cxn modelId="{E63D80DD-63E6-4D0B-8FD9-9C7D030FD366}" type="presParOf" srcId="{FF7EA850-B812-4B0B-BF77-F700763688B6}" destId="{73562C38-A0E9-4E05-AE32-F39D9395510F}" srcOrd="2" destOrd="0" presId="urn:microsoft.com/office/officeart/2005/8/layout/orgChart1"/>
+    <dgm:cxn modelId="{3CD54963-DEC7-4F84-9F22-1A25C690591F}" type="presParOf" srcId="{030BEB53-66DA-47F2-937F-C7B625B2CAD2}" destId="{55A8B7C4-448D-46F7-BA4D-93807B3B5B70}" srcOrd="2" destOrd="0" presId="urn:microsoft.com/office/officeart/2005/8/layout/orgChart1"/>
+    <dgm:cxn modelId="{508941F5-7B8B-4DF7-BB5F-4EFB2C2A2C1A}" type="presParOf" srcId="{0C35C036-EBA5-423E-86DE-4BBE19CF9924}" destId="{5403CA87-D198-4F73-B143-DFBF781AFA1D}" srcOrd="2" destOrd="0" presId="urn:microsoft.com/office/officeart/2005/8/layout/orgChart1"/>
   </dgm:cxnLst>
   <dgm:bg/>
   <dgm:whole/>
@@ -1661,65 +1733,6 @@
       <dsp:cNvGrpSpPr/>
     </dsp:nvGrpSpPr>
     <dsp:grpSpPr/>
-    <dsp:sp modelId="{066E2552-DB68-47DB-978A-E3BDC4481742}">
-      <dsp:nvSpPr>
-        <dsp:cNvPr id="0" name=""/>
-        <dsp:cNvSpPr/>
-      </dsp:nvSpPr>
-      <dsp:spPr>
-        <a:xfrm>
-          <a:off x="4818907" y="1605440"/>
-          <a:ext cx="179714" cy="787319"/>
-        </a:xfrm>
-        <a:custGeom>
-          <a:avLst/>
-          <a:gdLst/>
-          <a:ahLst/>
-          <a:cxnLst/>
-          <a:rect l="0" t="0" r="0" b="0"/>
-          <a:pathLst>
-            <a:path>
-              <a:moveTo>
-                <a:pt x="179714" y="0"/>
-              </a:moveTo>
-              <a:lnTo>
-                <a:pt x="179714" y="787319"/>
-              </a:lnTo>
-              <a:lnTo>
-                <a:pt x="0" y="787319"/>
-              </a:lnTo>
-            </a:path>
-          </a:pathLst>
-        </a:custGeom>
-        <a:noFill/>
-        <a:ln w="12700" cap="flat" cmpd="sng" algn="ctr">
-          <a:solidFill>
-            <a:schemeClr val="accent1">
-              <a:shade val="60000"/>
-              <a:hueOff val="0"/>
-              <a:satOff val="0"/>
-              <a:lumOff val="0"/>
-              <a:alphaOff val="0"/>
-            </a:schemeClr>
-          </a:solidFill>
-          <a:prstDash val="solid"/>
-          <a:miter lim="800000"/>
-        </a:ln>
-        <a:effectLst/>
-      </dsp:spPr>
-      <dsp:style>
-        <a:lnRef idx="2">
-          <a:scrgbClr r="0" g="0" b="0"/>
-        </a:lnRef>
-        <a:fillRef idx="0">
-          <a:scrgbClr r="0" g="0" b="0"/>
-        </a:fillRef>
-        <a:effectRef idx="0">
-          <a:scrgbClr r="0" g="0" b="0"/>
-        </a:effectRef>
-        <a:fontRef idx="minor"/>
-      </dsp:style>
-    </dsp:sp>
     <dsp:sp modelId="{B0F1C19D-23F5-4831-9C73-EB794D5D540C}">
       <dsp:nvSpPr>
         <dsp:cNvPr id="0" name=""/>
@@ -1727,8 +1740,8 @@
       </dsp:nvSpPr>
       <dsp:spPr>
         <a:xfrm>
-          <a:off x="4998621" y="1605440"/>
-          <a:ext cx="4141985" cy="1574638"/>
+          <a:off x="4998621" y="3448849"/>
+          <a:ext cx="3255999" cy="376727"/>
         </a:xfrm>
         <a:custGeom>
           <a:avLst/>
@@ -1742,13 +1755,13 @@
                 <a:pt x="0" y="0"/>
               </a:moveTo>
               <a:lnTo>
-                <a:pt x="0" y="1394924"/>
+                <a:pt x="0" y="188363"/>
               </a:lnTo>
               <a:lnTo>
-                <a:pt x="4141985" y="1394924"/>
+                <a:pt x="3255999" y="188363"/>
               </a:lnTo>
               <a:lnTo>
-                <a:pt x="4141985" y="1574638"/>
+                <a:pt x="3255999" y="376727"/>
               </a:lnTo>
             </a:path>
           </a:pathLst>
@@ -1757,7 +1770,7 @@
         <a:ln w="12700" cap="flat" cmpd="sng" algn="ctr">
           <a:solidFill>
             <a:schemeClr val="accent1">
-              <a:shade val="60000"/>
+              <a:shade val="80000"/>
               <a:hueOff val="0"/>
               <a:satOff val="0"/>
               <a:lumOff val="0"/>
@@ -1789,8 +1802,8 @@
       </dsp:nvSpPr>
       <dsp:spPr>
         <a:xfrm>
-          <a:off x="4998621" y="1605440"/>
-          <a:ext cx="2070992" cy="1574638"/>
+          <a:off x="4998621" y="3448849"/>
+          <a:ext cx="1085333" cy="376727"/>
         </a:xfrm>
         <a:custGeom>
           <a:avLst/>
@@ -1804,13 +1817,13 @@
                 <a:pt x="0" y="0"/>
               </a:moveTo>
               <a:lnTo>
-                <a:pt x="0" y="1394924"/>
+                <a:pt x="0" y="188363"/>
               </a:lnTo>
               <a:lnTo>
-                <a:pt x="2070992" y="1394924"/>
+                <a:pt x="1085333" y="188363"/>
               </a:lnTo>
               <a:lnTo>
-                <a:pt x="2070992" y="1574638"/>
+                <a:pt x="1085333" y="376727"/>
               </a:lnTo>
             </a:path>
           </a:pathLst>
@@ -1819,7 +1832,7 @@
         <a:ln w="12700" cap="flat" cmpd="sng" algn="ctr">
           <a:solidFill>
             <a:schemeClr val="accent1">
-              <a:shade val="60000"/>
+              <a:shade val="80000"/>
               <a:hueOff val="0"/>
               <a:satOff val="0"/>
               <a:lumOff val="0"/>
@@ -1851,8 +1864,8 @@
       </dsp:nvSpPr>
       <dsp:spPr>
         <a:xfrm>
-          <a:off x="4313995" y="4035861"/>
-          <a:ext cx="256734" cy="787319"/>
+          <a:off x="3195712" y="4722546"/>
+          <a:ext cx="269090" cy="825211"/>
         </a:xfrm>
         <a:custGeom>
           <a:avLst/>
@@ -1866,10 +1879,10 @@
                 <a:pt x="0" y="0"/>
               </a:moveTo>
               <a:lnTo>
-                <a:pt x="0" y="787319"/>
+                <a:pt x="0" y="825211"/>
               </a:lnTo>
               <a:lnTo>
-                <a:pt x="256734" y="787319"/>
+                <a:pt x="269090" y="825211"/>
               </a:lnTo>
             </a:path>
           </a:pathLst>
@@ -1910,8 +1923,256 @@
       </dsp:nvSpPr>
       <dsp:spPr>
         <a:xfrm>
-          <a:off x="4952901" y="1605440"/>
-          <a:ext cx="91440" cy="1574638"/>
+          <a:off x="3913288" y="3448849"/>
+          <a:ext cx="1085333" cy="376727"/>
+        </a:xfrm>
+        <a:custGeom>
+          <a:avLst/>
+          <a:gdLst/>
+          <a:ahLst/>
+          <a:cxnLst/>
+          <a:rect l="0" t="0" r="0" b="0"/>
+          <a:pathLst>
+            <a:path>
+              <a:moveTo>
+                <a:pt x="1085333" y="0"/>
+              </a:moveTo>
+              <a:lnTo>
+                <a:pt x="1085333" y="188363"/>
+              </a:lnTo>
+              <a:lnTo>
+                <a:pt x="0" y="188363"/>
+              </a:lnTo>
+              <a:lnTo>
+                <a:pt x="0" y="376727"/>
+              </a:lnTo>
+            </a:path>
+          </a:pathLst>
+        </a:custGeom>
+        <a:noFill/>
+        <a:ln w="12700" cap="flat" cmpd="sng" algn="ctr">
+          <a:solidFill>
+            <a:schemeClr val="accent1">
+              <a:shade val="80000"/>
+              <a:hueOff val="0"/>
+              <a:satOff val="0"/>
+              <a:lumOff val="0"/>
+              <a:alphaOff val="0"/>
+            </a:schemeClr>
+          </a:solidFill>
+          <a:prstDash val="solid"/>
+          <a:miter lim="800000"/>
+        </a:ln>
+        <a:effectLst/>
+      </dsp:spPr>
+      <dsp:style>
+        <a:lnRef idx="2">
+          <a:scrgbClr r="0" g="0" b="0"/>
+        </a:lnRef>
+        <a:fillRef idx="0">
+          <a:scrgbClr r="0" g="0" b="0"/>
+        </a:fillRef>
+        <a:effectRef idx="0">
+          <a:scrgbClr r="0" g="0" b="0"/>
+        </a:effectRef>
+        <a:fontRef idx="minor"/>
+      </dsp:style>
+    </dsp:sp>
+    <dsp:sp modelId="{0889DF0F-2E23-41BE-9A34-6D9DA6D14B09}">
+      <dsp:nvSpPr>
+        <dsp:cNvPr id="0" name=""/>
+        <dsp:cNvSpPr/>
+      </dsp:nvSpPr>
+      <dsp:spPr>
+        <a:xfrm>
+          <a:off x="1742622" y="3448849"/>
+          <a:ext cx="3255999" cy="376727"/>
+        </a:xfrm>
+        <a:custGeom>
+          <a:avLst/>
+          <a:gdLst/>
+          <a:ahLst/>
+          <a:cxnLst/>
+          <a:rect l="0" t="0" r="0" b="0"/>
+          <a:pathLst>
+            <a:path>
+              <a:moveTo>
+                <a:pt x="3255999" y="0"/>
+              </a:moveTo>
+              <a:lnTo>
+                <a:pt x="3255999" y="188363"/>
+              </a:lnTo>
+              <a:lnTo>
+                <a:pt x="0" y="188363"/>
+              </a:lnTo>
+              <a:lnTo>
+                <a:pt x="0" y="376727"/>
+              </a:lnTo>
+            </a:path>
+          </a:pathLst>
+        </a:custGeom>
+        <a:noFill/>
+        <a:ln w="12700" cap="flat" cmpd="sng" algn="ctr">
+          <a:solidFill>
+            <a:schemeClr val="accent1">
+              <a:shade val="80000"/>
+              <a:hueOff val="0"/>
+              <a:satOff val="0"/>
+              <a:lumOff val="0"/>
+              <a:alphaOff val="0"/>
+            </a:schemeClr>
+          </a:solidFill>
+          <a:prstDash val="solid"/>
+          <a:miter lim="800000"/>
+        </a:ln>
+        <a:effectLst/>
+      </dsp:spPr>
+      <dsp:style>
+        <a:lnRef idx="2">
+          <a:scrgbClr r="0" g="0" b="0"/>
+        </a:lnRef>
+        <a:fillRef idx="0">
+          <a:scrgbClr r="0" g="0" b="0"/>
+        </a:fillRef>
+        <a:effectRef idx="0">
+          <a:scrgbClr r="0" g="0" b="0"/>
+        </a:effectRef>
+        <a:fontRef idx="minor"/>
+      </dsp:style>
+    </dsp:sp>
+    <dsp:sp modelId="{EC151F7C-E17D-49A6-B394-2B455C77DFAB}">
+      <dsp:nvSpPr>
+        <dsp:cNvPr id="0" name=""/>
+        <dsp:cNvSpPr/>
+      </dsp:nvSpPr>
+      <dsp:spPr>
+        <a:xfrm>
+          <a:off x="3913288" y="2175153"/>
+          <a:ext cx="1085333" cy="376727"/>
+        </a:xfrm>
+        <a:custGeom>
+          <a:avLst/>
+          <a:gdLst/>
+          <a:ahLst/>
+          <a:cxnLst/>
+          <a:rect l="0" t="0" r="0" b="0"/>
+          <a:pathLst>
+            <a:path>
+              <a:moveTo>
+                <a:pt x="0" y="0"/>
+              </a:moveTo>
+              <a:lnTo>
+                <a:pt x="0" y="188363"/>
+              </a:lnTo>
+              <a:lnTo>
+                <a:pt x="1085333" y="188363"/>
+              </a:lnTo>
+              <a:lnTo>
+                <a:pt x="1085333" y="376727"/>
+              </a:lnTo>
+            </a:path>
+          </a:pathLst>
+        </a:custGeom>
+        <a:noFill/>
+        <a:ln w="12700" cap="flat" cmpd="sng" algn="ctr">
+          <a:solidFill>
+            <a:schemeClr val="accent1">
+              <a:shade val="80000"/>
+              <a:hueOff val="0"/>
+              <a:satOff val="0"/>
+              <a:lumOff val="0"/>
+              <a:alphaOff val="0"/>
+            </a:schemeClr>
+          </a:solidFill>
+          <a:prstDash val="solid"/>
+          <a:miter lim="800000"/>
+        </a:ln>
+        <a:effectLst/>
+      </dsp:spPr>
+      <dsp:style>
+        <a:lnRef idx="2">
+          <a:scrgbClr r="0" g="0" b="0"/>
+        </a:lnRef>
+        <a:fillRef idx="0">
+          <a:scrgbClr r="0" g="0" b="0"/>
+        </a:fillRef>
+        <a:effectRef idx="0">
+          <a:scrgbClr r="0" g="0" b="0"/>
+        </a:effectRef>
+        <a:fontRef idx="minor"/>
+      </dsp:style>
+    </dsp:sp>
+    <dsp:sp modelId="{6569105F-8139-4505-A3BC-A2283C6275D4}">
+      <dsp:nvSpPr>
+        <dsp:cNvPr id="0" name=""/>
+        <dsp:cNvSpPr/>
+      </dsp:nvSpPr>
+      <dsp:spPr>
+        <a:xfrm>
+          <a:off x="2727665" y="2175153"/>
+          <a:ext cx="1185623" cy="376727"/>
+        </a:xfrm>
+        <a:custGeom>
+          <a:avLst/>
+          <a:gdLst/>
+          <a:ahLst/>
+          <a:cxnLst/>
+          <a:rect l="0" t="0" r="0" b="0"/>
+          <a:pathLst>
+            <a:path>
+              <a:moveTo>
+                <a:pt x="1185623" y="0"/>
+              </a:moveTo>
+              <a:lnTo>
+                <a:pt x="1185623" y="188363"/>
+              </a:lnTo>
+              <a:lnTo>
+                <a:pt x="0" y="188363"/>
+              </a:lnTo>
+              <a:lnTo>
+                <a:pt x="0" y="376727"/>
+              </a:lnTo>
+            </a:path>
+          </a:pathLst>
+        </a:custGeom>
+        <a:noFill/>
+        <a:ln w="12700" cap="flat" cmpd="sng" algn="ctr">
+          <a:solidFill>
+            <a:schemeClr val="accent1">
+              <a:shade val="80000"/>
+              <a:hueOff val="0"/>
+              <a:satOff val="0"/>
+              <a:lumOff val="0"/>
+              <a:alphaOff val="0"/>
+            </a:schemeClr>
+          </a:solidFill>
+          <a:prstDash val="solid"/>
+          <a:miter lim="800000"/>
+        </a:ln>
+        <a:effectLst/>
+      </dsp:spPr>
+      <dsp:style>
+        <a:lnRef idx="2">
+          <a:scrgbClr r="0" g="0" b="0"/>
+        </a:lnRef>
+        <a:fillRef idx="0">
+          <a:scrgbClr r="0" g="0" b="0"/>
+        </a:fillRef>
+        <a:effectRef idx="0">
+          <a:scrgbClr r="0" g="0" b="0"/>
+        </a:effectRef>
+        <a:fontRef idx="minor"/>
+      </dsp:style>
+    </dsp:sp>
+    <dsp:sp modelId="{22B0B9C9-A169-43F7-B78A-C4E9769CCEDC}">
+      <dsp:nvSpPr>
+        <dsp:cNvPr id="0" name=""/>
+        <dsp:cNvSpPr/>
+      </dsp:nvSpPr>
+      <dsp:spPr>
+        <a:xfrm>
+          <a:off x="3867568" y="901456"/>
+          <a:ext cx="91440" cy="376727"/>
         </a:xfrm>
         <a:custGeom>
           <a:avLst/>
@@ -1925,7 +2186,7 @@
                 <a:pt x="45720" y="0"/>
               </a:moveTo>
               <a:lnTo>
-                <a:pt x="45720" y="1574638"/>
+                <a:pt x="45720" y="376727"/>
               </a:lnTo>
             </a:path>
           </a:pathLst>
@@ -1959,139 +2220,15 @@
         <a:fontRef idx="minor"/>
       </dsp:style>
     </dsp:sp>
-    <dsp:sp modelId="{0889DF0F-2E23-41BE-9A34-6D9DA6D14B09}">
+    <dsp:sp modelId="{8D0279A7-3574-4D45-BE01-5DD3045E59D8}">
       <dsp:nvSpPr>
         <dsp:cNvPr id="0" name=""/>
         <dsp:cNvSpPr/>
       </dsp:nvSpPr>
       <dsp:spPr>
         <a:xfrm>
-          <a:off x="2927628" y="1605440"/>
-          <a:ext cx="2070992" cy="1574638"/>
-        </a:xfrm>
-        <a:custGeom>
-          <a:avLst/>
-          <a:gdLst/>
-          <a:ahLst/>
-          <a:cxnLst/>
-          <a:rect l="0" t="0" r="0" b="0"/>
-          <a:pathLst>
-            <a:path>
-              <a:moveTo>
-                <a:pt x="2070992" y="0"/>
-              </a:moveTo>
-              <a:lnTo>
-                <a:pt x="2070992" y="1394924"/>
-              </a:lnTo>
-              <a:lnTo>
-                <a:pt x="0" y="1394924"/>
-              </a:lnTo>
-              <a:lnTo>
-                <a:pt x="0" y="1574638"/>
-              </a:lnTo>
-            </a:path>
-          </a:pathLst>
-        </a:custGeom>
-        <a:noFill/>
-        <a:ln w="12700" cap="flat" cmpd="sng" algn="ctr">
-          <a:solidFill>
-            <a:schemeClr val="accent1">
-              <a:shade val="60000"/>
-              <a:hueOff val="0"/>
-              <a:satOff val="0"/>
-              <a:lumOff val="0"/>
-              <a:alphaOff val="0"/>
-            </a:schemeClr>
-          </a:solidFill>
-          <a:prstDash val="solid"/>
-          <a:miter lim="800000"/>
-        </a:ln>
-        <a:effectLst/>
-      </dsp:spPr>
-      <dsp:style>
-        <a:lnRef idx="2">
-          <a:scrgbClr r="0" g="0" b="0"/>
-        </a:lnRef>
-        <a:fillRef idx="0">
-          <a:scrgbClr r="0" g="0" b="0"/>
-        </a:fillRef>
-        <a:effectRef idx="0">
-          <a:scrgbClr r="0" g="0" b="0"/>
-        </a:effectRef>
-        <a:fontRef idx="minor"/>
-      </dsp:style>
-    </dsp:sp>
-    <dsp:sp modelId="{A27F0A45-7F18-4EC7-B96E-31D8DE2B648C}">
-      <dsp:nvSpPr>
-        <dsp:cNvPr id="0" name=""/>
-        <dsp:cNvSpPr/>
-      </dsp:nvSpPr>
-      <dsp:spPr>
-        <a:xfrm>
-          <a:off x="856636" y="1605440"/>
-          <a:ext cx="4141985" cy="1574638"/>
-        </a:xfrm>
-        <a:custGeom>
-          <a:avLst/>
-          <a:gdLst/>
-          <a:ahLst/>
-          <a:cxnLst/>
-          <a:rect l="0" t="0" r="0" b="0"/>
-          <a:pathLst>
-            <a:path>
-              <a:moveTo>
-                <a:pt x="4141985" y="0"/>
-              </a:moveTo>
-              <a:lnTo>
-                <a:pt x="4141985" y="1394924"/>
-              </a:lnTo>
-              <a:lnTo>
-                <a:pt x="0" y="1394924"/>
-              </a:lnTo>
-              <a:lnTo>
-                <a:pt x="0" y="1574638"/>
-              </a:lnTo>
-            </a:path>
-          </a:pathLst>
-        </a:custGeom>
-        <a:noFill/>
-        <a:ln w="12700" cap="flat" cmpd="sng" algn="ctr">
-          <a:solidFill>
-            <a:schemeClr val="accent1">
-              <a:shade val="60000"/>
-              <a:hueOff val="0"/>
-              <a:satOff val="0"/>
-              <a:lumOff val="0"/>
-              <a:alphaOff val="0"/>
-            </a:schemeClr>
-          </a:solidFill>
-          <a:prstDash val="solid"/>
-          <a:miter lim="800000"/>
-        </a:ln>
-        <a:effectLst/>
-      </dsp:spPr>
-      <dsp:style>
-        <a:lnRef idx="2">
-          <a:scrgbClr r="0" g="0" b="0"/>
-        </a:lnRef>
-        <a:fillRef idx="0">
-          <a:scrgbClr r="0" g="0" b="0"/>
-        </a:fillRef>
-        <a:effectRef idx="0">
-          <a:scrgbClr r="0" g="0" b="0"/>
-        </a:effectRef>
-        <a:fontRef idx="minor"/>
-      </dsp:style>
-    </dsp:sp>
-    <dsp:sp modelId="{EBBD8710-6C96-4388-9AF2-092362E0B322}">
-      <dsp:nvSpPr>
-        <dsp:cNvPr id="0" name=""/>
-        <dsp:cNvSpPr/>
-      </dsp:nvSpPr>
-      <dsp:spPr>
-        <a:xfrm>
-          <a:off x="4142839" y="749658"/>
-          <a:ext cx="1711564" cy="855782"/>
+          <a:off x="3016319" y="4487"/>
+          <a:ext cx="1793938" cy="896969"/>
         </a:xfrm>
         <a:prstGeom prst="rect">
           <a:avLst/>
@@ -2128,12 +2265,12 @@
         </a:fontRef>
       </dsp:style>
       <dsp:txBody>
-        <a:bodyPr spcFirstLastPara="0" vert="horz" wrap="square" lIns="12065" tIns="12065" rIns="12065" bIns="12065" numCol="1" spcCol="1270" anchor="ctr" anchorCtr="0">
+        <a:bodyPr spcFirstLastPara="0" vert="horz" wrap="square" lIns="15240" tIns="15240" rIns="15240" bIns="15240" numCol="1" spcCol="1270" anchor="ctr" anchorCtr="0">
           <a:noAutofit/>
         </a:bodyPr>
         <a:lstStyle/>
         <a:p>
-          <a:pPr marL="0" lvl="0" indent="0" algn="ctr" defTabSz="844550">
+          <a:pPr marL="0" lvl="0" indent="0" algn="ctr" defTabSz="1066800">
             <a:lnSpc>
               <a:spcPct val="90000"/>
             </a:lnSpc>
@@ -2146,29 +2283,98 @@
             <a:buNone/>
           </a:pPr>
           <a:r>
-            <a:rPr lang="en-US" sz="1900" kern="1200" dirty="0">
-              <a:ln>
-                <a:noFill/>
-              </a:ln>
-            </a:rPr>
-            <a:t>Crime occurs (and is reported)</a:t>
+            <a:rPr lang="en-US" sz="2400" kern="1200" dirty="0"/>
+            <a:t>Crime Occurs</a:t>
           </a:r>
         </a:p>
       </dsp:txBody>
       <dsp:txXfrm>
-        <a:off x="4142839" y="749658"/>
-        <a:ext cx="1711564" cy="855782"/>
+        <a:off x="3016319" y="4487"/>
+        <a:ext cx="1793938" cy="896969"/>
       </dsp:txXfrm>
     </dsp:sp>
-    <dsp:sp modelId="{46CBDDF5-74C0-4C65-AE9C-A74686881943}">
+    <dsp:sp modelId="{D0F0245F-84CA-4056-8312-A12650F66130}">
       <dsp:nvSpPr>
         <dsp:cNvPr id="0" name=""/>
         <dsp:cNvSpPr/>
       </dsp:nvSpPr>
       <dsp:spPr>
         <a:xfrm>
-          <a:off x="854" y="3180079"/>
-          <a:ext cx="1711564" cy="855782"/>
+          <a:off x="3016319" y="1278183"/>
+          <a:ext cx="1793938" cy="896969"/>
+        </a:xfrm>
+        <a:prstGeom prst="rect">
+          <a:avLst/>
+        </a:prstGeom>
+        <a:solidFill>
+          <a:schemeClr val="accent2"/>
+        </a:solidFill>
+        <a:ln w="12700" cap="flat" cmpd="sng" algn="ctr">
+          <a:solidFill>
+            <a:schemeClr val="lt1">
+              <a:hueOff val="0"/>
+              <a:satOff val="0"/>
+              <a:lumOff val="0"/>
+              <a:alphaOff val="0"/>
+            </a:schemeClr>
+          </a:solidFill>
+          <a:prstDash val="solid"/>
+          <a:miter lim="800000"/>
+        </a:ln>
+        <a:effectLst/>
+      </dsp:spPr>
+      <dsp:style>
+        <a:lnRef idx="2">
+          <a:scrgbClr r="0" g="0" b="0"/>
+        </a:lnRef>
+        <a:fillRef idx="1">
+          <a:scrgbClr r="0" g="0" b="0"/>
+        </a:fillRef>
+        <a:effectRef idx="0">
+          <a:scrgbClr r="0" g="0" b="0"/>
+        </a:effectRef>
+        <a:fontRef idx="minor">
+          <a:schemeClr val="lt1"/>
+        </a:fontRef>
+      </dsp:style>
+      <dsp:txBody>
+        <a:bodyPr spcFirstLastPara="0" vert="horz" wrap="square" lIns="15240" tIns="15240" rIns="15240" bIns="15240" numCol="1" spcCol="1270" anchor="ctr" anchorCtr="0">
+          <a:noAutofit/>
+        </a:bodyPr>
+        <a:lstStyle/>
+        <a:p>
+          <a:pPr marL="0" lvl="0" indent="0" algn="ctr" defTabSz="1066800">
+            <a:lnSpc>
+              <a:spcPct val="90000"/>
+            </a:lnSpc>
+            <a:spcBef>
+              <a:spcPct val="0"/>
+            </a:spcBef>
+            <a:spcAft>
+              <a:spcPct val="35000"/>
+            </a:spcAft>
+            <a:buNone/>
+          </a:pPr>
+          <a:r>
+            <a:rPr lang="en-US" sz="2400" kern="1200" dirty="0"/>
+            <a:t>Crime is Reported</a:t>
+          </a:r>
+        </a:p>
+      </dsp:txBody>
+      <dsp:txXfrm>
+        <a:off x="3016319" y="1278183"/>
+        <a:ext cx="1793938" cy="896969"/>
+      </dsp:txXfrm>
+    </dsp:sp>
+    <dsp:sp modelId="{8FD909AE-5363-4622-BF12-F93C5AD28B4E}">
+      <dsp:nvSpPr>
+        <dsp:cNvPr id="0" name=""/>
+        <dsp:cNvSpPr/>
+      </dsp:nvSpPr>
+      <dsp:spPr>
+        <a:xfrm>
+          <a:off x="1830695" y="2551880"/>
+          <a:ext cx="1793938" cy="896969"/>
         </a:xfrm>
         <a:prstGeom prst="rect">
           <a:avLst/>
@@ -2210,12 +2416,12 @@
         </a:fontRef>
       </dsp:style>
       <dsp:txBody>
-        <a:bodyPr spcFirstLastPara="0" vert="horz" wrap="square" lIns="12065" tIns="12065" rIns="12065" bIns="12065" numCol="1" spcCol="1270" anchor="ctr" anchorCtr="0">
+        <a:bodyPr spcFirstLastPara="0" vert="horz" wrap="square" lIns="15240" tIns="15240" rIns="15240" bIns="15240" numCol="1" spcCol="1270" anchor="ctr" anchorCtr="0">
           <a:noAutofit/>
         </a:bodyPr>
         <a:lstStyle/>
         <a:p>
-          <a:pPr marL="0" lvl="0" indent="0" algn="ctr" defTabSz="844550">
+          <a:pPr marL="0" lvl="0" indent="0" algn="ctr" defTabSz="1066800">
             <a:lnSpc>
               <a:spcPct val="90000"/>
             </a:lnSpc>
@@ -2228,7 +2434,80 @@
             <a:buNone/>
           </a:pPr>
           <a:r>
-            <a:rPr lang="en-US" sz="1900" kern="1200" dirty="0">
+            <a:rPr lang="en-US" sz="2400" kern="1200" dirty="0"/>
+            <a:t>Group B Arrest</a:t>
+          </a:r>
+        </a:p>
+      </dsp:txBody>
+      <dsp:txXfrm>
+        <a:off x="1830695" y="2551880"/>
+        <a:ext cx="1793938" cy="896969"/>
+      </dsp:txXfrm>
+    </dsp:sp>
+    <dsp:sp modelId="{112BB241-2978-435E-A5BE-8E338738BA0A}">
+      <dsp:nvSpPr>
+        <dsp:cNvPr id="0" name=""/>
+        <dsp:cNvSpPr/>
+      </dsp:nvSpPr>
+      <dsp:spPr>
+        <a:xfrm>
+          <a:off x="4001361" y="2551880"/>
+          <a:ext cx="1994519" cy="896969"/>
+        </a:xfrm>
+        <a:prstGeom prst="rect">
+          <a:avLst/>
+        </a:prstGeom>
+        <a:solidFill>
+          <a:schemeClr val="accent1"/>
+        </a:solidFill>
+        <a:ln w="12700" cap="flat" cmpd="sng" algn="ctr">
+          <a:solidFill>
+            <a:schemeClr val="lt1">
+              <a:hueOff val="0"/>
+              <a:satOff val="0"/>
+              <a:lumOff val="0"/>
+              <a:alphaOff val="0"/>
+            </a:schemeClr>
+          </a:solidFill>
+          <a:prstDash val="solid"/>
+          <a:miter lim="800000"/>
+        </a:ln>
+        <a:effectLst/>
+      </dsp:spPr>
+      <dsp:style>
+        <a:lnRef idx="2">
+          <a:scrgbClr r="0" g="0" b="0"/>
+        </a:lnRef>
+        <a:fillRef idx="1">
+          <a:scrgbClr r="0" g="0" b="0"/>
+        </a:fillRef>
+        <a:effectRef idx="0">
+          <a:scrgbClr r="0" g="0" b="0"/>
+        </a:effectRef>
+        <a:fontRef idx="minor">
+          <a:schemeClr val="lt1"/>
+        </a:fontRef>
+      </dsp:style>
+      <dsp:txBody>
+        <a:bodyPr spcFirstLastPara="0" vert="horz" wrap="square" lIns="15240" tIns="15240" rIns="15240" bIns="15240" numCol="1" spcCol="1270" anchor="ctr" anchorCtr="0">
+          <a:noAutofit/>
+        </a:bodyPr>
+        <a:lstStyle/>
+        <a:p>
+          <a:pPr marL="0" lvl="0" indent="0" algn="ctr" defTabSz="1066800">
+            <a:lnSpc>
+              <a:spcPct val="90000"/>
+            </a:lnSpc>
+            <a:spcBef>
+              <a:spcPct val="0"/>
+            </a:spcBef>
+            <a:spcAft>
+              <a:spcPct val="35000"/>
+            </a:spcAft>
+            <a:buNone/>
+          </a:pPr>
+          <a:r>
+            <a:rPr lang="en-US" sz="2400" kern="1200" dirty="0">
               <a:ln>
                 <a:noFill/>
               </a:ln>
@@ -2238,8 +2517,8 @@
         </a:p>
       </dsp:txBody>
       <dsp:txXfrm>
-        <a:off x="854" y="3180079"/>
-        <a:ext cx="1711564" cy="855782"/>
+        <a:off x="4001361" y="2551880"/>
+        <a:ext cx="1994519" cy="896969"/>
       </dsp:txXfrm>
     </dsp:sp>
     <dsp:sp modelId="{BAE3A09A-FCF7-4258-BA02-36755BF67B06}">
@@ -2249,8 +2528,8 @@
       </dsp:nvSpPr>
       <dsp:spPr>
         <a:xfrm>
-          <a:off x="2071846" y="3180079"/>
-          <a:ext cx="1711564" cy="855782"/>
+          <a:off x="845653" y="3825576"/>
+          <a:ext cx="1793938" cy="896969"/>
         </a:xfrm>
         <a:prstGeom prst="rect">
           <a:avLst/>
@@ -2292,12 +2571,12 @@
         </a:fontRef>
       </dsp:style>
       <dsp:txBody>
-        <a:bodyPr spcFirstLastPara="0" vert="horz" wrap="square" lIns="12065" tIns="12065" rIns="12065" bIns="12065" numCol="1" spcCol="1270" anchor="ctr" anchorCtr="0">
+        <a:bodyPr spcFirstLastPara="0" vert="horz" wrap="square" lIns="15240" tIns="15240" rIns="15240" bIns="15240" numCol="1" spcCol="1270" anchor="ctr" anchorCtr="0">
           <a:noAutofit/>
         </a:bodyPr>
         <a:lstStyle/>
         <a:p>
-          <a:pPr marL="0" lvl="0" indent="0" algn="ctr" defTabSz="844550">
+          <a:pPr marL="0" lvl="0" indent="0" algn="ctr" defTabSz="1066800">
             <a:lnSpc>
               <a:spcPct val="90000"/>
             </a:lnSpc>
@@ -2310,7 +2589,7 @@
             <a:buNone/>
           </a:pPr>
           <a:r>
-            <a:rPr lang="en-US" sz="1900" kern="1200" dirty="0">
+            <a:rPr lang="en-US" sz="2400" kern="1200" dirty="0">
               <a:ln>
                 <a:noFill/>
               </a:ln>
@@ -2320,8 +2599,8 @@
         </a:p>
       </dsp:txBody>
       <dsp:txXfrm>
-        <a:off x="2071846" y="3180079"/>
-        <a:ext cx="1711564" cy="855782"/>
+        <a:off x="845653" y="3825576"/>
+        <a:ext cx="1793938" cy="896969"/>
       </dsp:txXfrm>
     </dsp:sp>
     <dsp:sp modelId="{39B7AE51-99CE-451B-95E9-85A0014969C7}">
@@ -2331,8 +2610,8 @@
       </dsp:nvSpPr>
       <dsp:spPr>
         <a:xfrm>
-          <a:off x="4142839" y="3180079"/>
-          <a:ext cx="1711564" cy="855782"/>
+          <a:off x="3016319" y="3825576"/>
+          <a:ext cx="1793938" cy="896969"/>
         </a:xfrm>
         <a:prstGeom prst="rect">
           <a:avLst/>
@@ -2374,12 +2653,12 @@
         </a:fontRef>
       </dsp:style>
       <dsp:txBody>
-        <a:bodyPr spcFirstLastPara="0" vert="horz" wrap="square" lIns="12065" tIns="12065" rIns="12065" bIns="12065" numCol="1" spcCol="1270" anchor="ctr" anchorCtr="0">
+        <a:bodyPr spcFirstLastPara="0" vert="horz" wrap="square" lIns="15240" tIns="15240" rIns="15240" bIns="15240" numCol="1" spcCol="1270" anchor="ctr" anchorCtr="0">
           <a:noAutofit/>
         </a:bodyPr>
         <a:lstStyle/>
         <a:p>
-          <a:pPr marL="0" lvl="0" indent="0" algn="ctr" defTabSz="844550">
+          <a:pPr marL="0" lvl="0" indent="0" algn="ctr" defTabSz="1066800">
             <a:lnSpc>
               <a:spcPct val="90000"/>
             </a:lnSpc>
@@ -2392,7 +2671,7 @@
             <a:buNone/>
           </a:pPr>
           <a:r>
-            <a:rPr lang="en-US" sz="1900" kern="1200" dirty="0">
+            <a:rPr lang="en-US" sz="2400" kern="1200" dirty="0">
               <a:ln>
                 <a:noFill/>
               </a:ln>
@@ -2402,8 +2681,8 @@
         </a:p>
       </dsp:txBody>
       <dsp:txXfrm>
-        <a:off x="4142839" y="3180079"/>
-        <a:ext cx="1711564" cy="855782"/>
+        <a:off x="3016319" y="3825576"/>
+        <a:ext cx="1793938" cy="896969"/>
       </dsp:txXfrm>
     </dsp:sp>
     <dsp:sp modelId="{CD6E4A4C-23C0-45B7-9443-F3AD1ADD7E33}">
@@ -2413,8 +2692,8 @@
       </dsp:nvSpPr>
       <dsp:spPr>
         <a:xfrm>
-          <a:off x="4570730" y="4395289"/>
-          <a:ext cx="1711564" cy="855782"/>
+          <a:off x="3464803" y="5099273"/>
+          <a:ext cx="1793938" cy="896969"/>
         </a:xfrm>
         <a:prstGeom prst="rect">
           <a:avLst/>
@@ -2456,12 +2735,12 @@
         </a:fontRef>
       </dsp:style>
       <dsp:txBody>
-        <a:bodyPr spcFirstLastPara="0" vert="horz" wrap="square" lIns="12065" tIns="12065" rIns="12065" bIns="12065" numCol="1" spcCol="1270" anchor="ctr" anchorCtr="0">
+        <a:bodyPr spcFirstLastPara="0" vert="horz" wrap="square" lIns="15240" tIns="15240" rIns="15240" bIns="15240" numCol="1" spcCol="1270" anchor="ctr" anchorCtr="0">
           <a:noAutofit/>
         </a:bodyPr>
         <a:lstStyle/>
         <a:p>
-          <a:pPr marL="0" lvl="0" indent="0" algn="ctr" defTabSz="844550">
+          <a:pPr marL="0" lvl="0" indent="0" algn="ctr" defTabSz="1066800">
             <a:lnSpc>
               <a:spcPct val="90000"/>
             </a:lnSpc>
@@ -2474,7 +2753,7 @@
             <a:buNone/>
           </a:pPr>
           <a:r>
-            <a:rPr lang="en-US" sz="1900" kern="1200" dirty="0">
+            <a:rPr lang="en-US" sz="2400" kern="1200" dirty="0">
               <a:ln>
                 <a:noFill/>
               </a:ln>
@@ -2484,8 +2763,8 @@
         </a:p>
       </dsp:txBody>
       <dsp:txXfrm>
-        <a:off x="4570730" y="4395289"/>
-        <a:ext cx="1711564" cy="855782"/>
+        <a:off x="3464803" y="5099273"/>
+        <a:ext cx="1793938" cy="896969"/>
       </dsp:txXfrm>
     </dsp:sp>
     <dsp:sp modelId="{859DB048-6B27-4E37-83DF-4269DECD04E1}">
@@ -2495,8 +2774,8 @@
       </dsp:nvSpPr>
       <dsp:spPr>
         <a:xfrm>
-          <a:off x="6213832" y="3180079"/>
-          <a:ext cx="1711564" cy="855782"/>
+          <a:off x="5186985" y="3825576"/>
+          <a:ext cx="1793938" cy="896969"/>
         </a:xfrm>
         <a:prstGeom prst="rect">
           <a:avLst/>
@@ -2538,12 +2817,12 @@
         </a:fontRef>
       </dsp:style>
       <dsp:txBody>
-        <a:bodyPr spcFirstLastPara="0" vert="horz" wrap="square" lIns="12065" tIns="12065" rIns="12065" bIns="12065" numCol="1" spcCol="1270" anchor="ctr" anchorCtr="0">
+        <a:bodyPr spcFirstLastPara="0" vert="horz" wrap="square" lIns="15240" tIns="15240" rIns="15240" bIns="15240" numCol="1" spcCol="1270" anchor="ctr" anchorCtr="0">
           <a:noAutofit/>
         </a:bodyPr>
         <a:lstStyle/>
         <a:p>
-          <a:pPr marL="0" lvl="0" indent="0" algn="ctr" defTabSz="844550">
+          <a:pPr marL="0" lvl="0" indent="0" algn="ctr" defTabSz="1066800">
             <a:lnSpc>
               <a:spcPct val="90000"/>
             </a:lnSpc>
@@ -2556,7 +2835,7 @@
             <a:buNone/>
           </a:pPr>
           <a:r>
-            <a:rPr lang="en-US" sz="1900" kern="1200" dirty="0">
+            <a:rPr lang="en-US" sz="2400" kern="1200" dirty="0">
               <a:ln>
                 <a:noFill/>
               </a:ln>
@@ -2566,8 +2845,8 @@
         </a:p>
       </dsp:txBody>
       <dsp:txXfrm>
-        <a:off x="6213832" y="3180079"/>
-        <a:ext cx="1711564" cy="855782"/>
+        <a:off x="5186985" y="3825576"/>
+        <a:ext cx="1793938" cy="896969"/>
       </dsp:txXfrm>
     </dsp:sp>
     <dsp:sp modelId="{702B6CF6-DCE4-4FD7-B765-E87B71FB1846}">
@@ -2577,8 +2856,8 @@
       </dsp:nvSpPr>
       <dsp:spPr>
         <a:xfrm>
-          <a:off x="8284824" y="3180079"/>
-          <a:ext cx="1711564" cy="855782"/>
+          <a:off x="7357651" y="3825576"/>
+          <a:ext cx="1793938" cy="896969"/>
         </a:xfrm>
         <a:prstGeom prst="rect">
           <a:avLst/>
@@ -2620,12 +2899,12 @@
         </a:fontRef>
       </dsp:style>
       <dsp:txBody>
-        <a:bodyPr spcFirstLastPara="0" vert="horz" wrap="square" lIns="12065" tIns="12065" rIns="12065" bIns="12065" numCol="1" spcCol="1270" anchor="ctr" anchorCtr="0">
+        <a:bodyPr spcFirstLastPara="0" vert="horz" wrap="square" lIns="15240" tIns="15240" rIns="15240" bIns="15240" numCol="1" spcCol="1270" anchor="ctr" anchorCtr="0">
           <a:noAutofit/>
         </a:bodyPr>
         <a:lstStyle/>
         <a:p>
-          <a:pPr marL="0" lvl="0" indent="0" algn="ctr" defTabSz="844550">
+          <a:pPr marL="0" lvl="0" indent="0" algn="ctr" defTabSz="1066800">
             <a:lnSpc>
               <a:spcPct val="90000"/>
             </a:lnSpc>
@@ -2638,7 +2917,7 @@
             <a:buNone/>
           </a:pPr>
           <a:r>
-            <a:rPr lang="en-US" sz="1900" kern="1200" dirty="0">
+            <a:rPr lang="en-US" sz="2400" kern="1200" dirty="0">
               <a:ln>
                 <a:noFill/>
               </a:ln>
@@ -2648,90 +2927,8 @@
         </a:p>
       </dsp:txBody>
       <dsp:txXfrm>
-        <a:off x="8284824" y="3180079"/>
-        <a:ext cx="1711564" cy="855782"/>
-      </dsp:txXfrm>
-    </dsp:sp>
-    <dsp:sp modelId="{D2887E5A-9FF8-419F-811D-A7F1A8211C08}">
-      <dsp:nvSpPr>
-        <dsp:cNvPr id="0" name=""/>
-        <dsp:cNvSpPr/>
-      </dsp:nvSpPr>
-      <dsp:spPr>
-        <a:xfrm>
-          <a:off x="3107343" y="1964868"/>
-          <a:ext cx="1711564" cy="855782"/>
-        </a:xfrm>
-        <a:prstGeom prst="rect">
-          <a:avLst/>
-        </a:prstGeom>
-        <a:solidFill>
-          <a:schemeClr val="accent1">
-            <a:hueOff val="0"/>
-            <a:satOff val="0"/>
-            <a:lumOff val="0"/>
-            <a:alphaOff val="0"/>
-          </a:schemeClr>
-        </a:solidFill>
-        <a:ln w="12700" cap="flat" cmpd="sng" algn="ctr">
-          <a:solidFill>
-            <a:schemeClr val="lt1">
-              <a:hueOff val="0"/>
-              <a:satOff val="0"/>
-              <a:lumOff val="0"/>
-              <a:alphaOff val="0"/>
-            </a:schemeClr>
-          </a:solidFill>
-          <a:prstDash val="solid"/>
-          <a:miter lim="800000"/>
-        </a:ln>
-        <a:effectLst/>
-      </dsp:spPr>
-      <dsp:style>
-        <a:lnRef idx="2">
-          <a:scrgbClr r="0" g="0" b="0"/>
-        </a:lnRef>
-        <a:fillRef idx="1">
-          <a:scrgbClr r="0" g="0" b="0"/>
-        </a:fillRef>
-        <a:effectRef idx="0">
-          <a:scrgbClr r="0" g="0" b="0"/>
-        </a:effectRef>
-        <a:fontRef idx="minor">
-          <a:schemeClr val="lt1"/>
-        </a:fontRef>
-      </dsp:style>
-      <dsp:txBody>
-        <a:bodyPr spcFirstLastPara="0" vert="horz" wrap="square" lIns="12065" tIns="12065" rIns="12065" bIns="12065" numCol="1" spcCol="1270" anchor="ctr" anchorCtr="0">
-          <a:noAutofit/>
-        </a:bodyPr>
-        <a:lstStyle/>
-        <a:p>
-          <a:pPr marL="0" lvl="0" indent="0" algn="ctr" defTabSz="844550">
-            <a:lnSpc>
-              <a:spcPct val="90000"/>
-            </a:lnSpc>
-            <a:spcBef>
-              <a:spcPct val="0"/>
-            </a:spcBef>
-            <a:spcAft>
-              <a:spcPct val="35000"/>
-            </a:spcAft>
-            <a:buNone/>
-          </a:pPr>
-          <a:r>
-            <a:rPr lang="en-US" sz="1900" kern="1200" dirty="0">
-              <a:ln>
-                <a:noFill/>
-              </a:ln>
-            </a:rPr>
-            <a:t>Group B Arrest</a:t>
-          </a:r>
-        </a:p>
-      </dsp:txBody>
-      <dsp:txXfrm>
-        <a:off x="3107343" y="1964868"/>
-        <a:ext cx="1711564" cy="855782"/>
+        <a:off x="7357651" y="3825576"/>
+        <a:ext cx="1793938" cy="896969"/>
       </dsp:txXfrm>
     </dsp:sp>
   </dsp:spTree>
@@ -5049,7 +5246,7 @@
           <a:p>
             <a:fld id="{BFBF4D34-9E85-46D7-9A5E-6DC58D186264}" type="datetimeFigureOut">
               <a:rPr lang="en-US" smtClean="0"/>
-              <a:t>6/6/2021</a:t>
+              <a:t>6/7/2021</a:t>
             </a:fld>
             <a:endParaRPr lang="en-US"/>
           </a:p>
@@ -5219,7 +5416,7 @@
           <a:p>
             <a:fld id="{BFBF4D34-9E85-46D7-9A5E-6DC58D186264}" type="datetimeFigureOut">
               <a:rPr lang="en-US" smtClean="0"/>
-              <a:t>6/6/2021</a:t>
+              <a:t>6/7/2021</a:t>
             </a:fld>
             <a:endParaRPr lang="en-US"/>
           </a:p>
@@ -5399,7 +5596,7 @@
           <a:p>
             <a:fld id="{BFBF4D34-9E85-46D7-9A5E-6DC58D186264}" type="datetimeFigureOut">
               <a:rPr lang="en-US" smtClean="0"/>
-              <a:t>6/6/2021</a:t>
+              <a:t>6/7/2021</a:t>
             </a:fld>
             <a:endParaRPr lang="en-US"/>
           </a:p>
@@ -5569,7 +5766,7 @@
           <a:p>
             <a:fld id="{BFBF4D34-9E85-46D7-9A5E-6DC58D186264}" type="datetimeFigureOut">
               <a:rPr lang="en-US" smtClean="0"/>
-              <a:t>6/6/2021</a:t>
+              <a:t>6/7/2021</a:t>
             </a:fld>
             <a:endParaRPr lang="en-US"/>
           </a:p>
@@ -5815,7 +6012,7 @@
           <a:p>
             <a:fld id="{BFBF4D34-9E85-46D7-9A5E-6DC58D186264}" type="datetimeFigureOut">
               <a:rPr lang="en-US" smtClean="0"/>
-              <a:t>6/6/2021</a:t>
+              <a:t>6/7/2021</a:t>
             </a:fld>
             <a:endParaRPr lang="en-US"/>
           </a:p>
@@ -6047,7 +6244,7 @@
           <a:p>
             <a:fld id="{BFBF4D34-9E85-46D7-9A5E-6DC58D186264}" type="datetimeFigureOut">
               <a:rPr lang="en-US" smtClean="0"/>
-              <a:t>6/6/2021</a:t>
+              <a:t>6/7/2021</a:t>
             </a:fld>
             <a:endParaRPr lang="en-US"/>
           </a:p>
@@ -6414,7 +6611,7 @@
           <a:p>
             <a:fld id="{BFBF4D34-9E85-46D7-9A5E-6DC58D186264}" type="datetimeFigureOut">
               <a:rPr lang="en-US" smtClean="0"/>
-              <a:t>6/6/2021</a:t>
+              <a:t>6/7/2021</a:t>
             </a:fld>
             <a:endParaRPr lang="en-US"/>
           </a:p>
@@ -6532,7 +6729,7 @@
           <a:p>
             <a:fld id="{BFBF4D34-9E85-46D7-9A5E-6DC58D186264}" type="datetimeFigureOut">
               <a:rPr lang="en-US" smtClean="0"/>
-              <a:t>6/6/2021</a:t>
+              <a:t>6/7/2021</a:t>
             </a:fld>
             <a:endParaRPr lang="en-US"/>
           </a:p>
@@ -6627,7 +6824,7 @@
           <a:p>
             <a:fld id="{BFBF4D34-9E85-46D7-9A5E-6DC58D186264}" type="datetimeFigureOut">
               <a:rPr lang="en-US" smtClean="0"/>
-              <a:t>6/6/2021</a:t>
+              <a:t>6/7/2021</a:t>
             </a:fld>
             <a:endParaRPr lang="en-US"/>
           </a:p>
@@ -6904,7 +7101,7 @@
           <a:p>
             <a:fld id="{BFBF4D34-9E85-46D7-9A5E-6DC58D186264}" type="datetimeFigureOut">
               <a:rPr lang="en-US" smtClean="0"/>
-              <a:t>6/6/2021</a:t>
+              <a:t>6/7/2021</a:t>
             </a:fld>
             <a:endParaRPr lang="en-US"/>
           </a:p>
@@ -7161,7 +7358,7 @@
           <a:p>
             <a:fld id="{BFBF4D34-9E85-46D7-9A5E-6DC58D186264}" type="datetimeFigureOut">
               <a:rPr lang="en-US" smtClean="0"/>
-              <a:t>6/6/2021</a:t>
+              <a:t>6/7/2021</a:t>
             </a:fld>
             <a:endParaRPr lang="en-US"/>
           </a:p>
@@ -7374,7 +7571,7 @@
           <a:p>
             <a:fld id="{BFBF4D34-9E85-46D7-9A5E-6DC58D186264}" type="datetimeFigureOut">
               <a:rPr lang="en-US" smtClean="0"/>
-              <a:t>6/6/2021</a:t>
+              <a:t>6/7/2021</a:t>
             </a:fld>
             <a:endParaRPr lang="en-US"/>
           </a:p>
@@ -7792,7 +7989,7 @@
           <p:nvPr>
             <p:extLst>
               <p:ext uri="{D42A27DB-BD31-4B8C-83A1-F6EECF244321}">
-                <p14:modId xmlns:p14="http://schemas.microsoft.com/office/powerpoint/2010/main" val="2425758898"/>
+                <p14:modId xmlns:p14="http://schemas.microsoft.com/office/powerpoint/2010/main" val="4162712032"/>
               </p:ext>
             </p:extLst>
           </p:nvPr>
